--- a/Documentation/software_architecture.pptx
+++ b/Documentation/software_architecture.pptx
@@ -5,11 +5,12 @@
     <p:sldMasterId id="2147483660" r:id="rId1"/>
   </p:sldMasterIdLst>
   <p:notesMasterIdLst>
-    <p:notesMasterId r:id="rId4"/>
+    <p:notesMasterId r:id="rId5"/>
   </p:notesMasterIdLst>
   <p:sldIdLst>
     <p:sldId id="257" r:id="rId2"/>
     <p:sldId id="258" r:id="rId3"/>
+    <p:sldId id="259" r:id="rId4"/>
   </p:sldIdLst>
   <p:sldSz cx="12192000" cy="9018588"/>
   <p:notesSz cx="6858000" cy="9144000"/>
@@ -198,7 +199,7 @@
           <a:p>
             <a:fld id="{D85D1791-27CD-45A6-BE4B-11467D767800}" type="datetimeFigureOut">
               <a:rPr lang="en-GB" smtClean="0"/>
-              <a:t>26/07/2021</a:t>
+              <a:t>17/08/2021</a:t>
             </a:fld>
             <a:endParaRPr lang="en-GB"/>
           </a:p>
@@ -624,17 +625,21 @@
               <a:buChar char="-"/>
             </a:pPr>
             <a:r>
-              <a:rPr lang="en-GB" baseline="0" dirty="0" smtClean="0"/>
-              <a:t>(</a:t>
-            </a:r>
-            <a:r>
               <a:rPr lang="en-GB" baseline="0" dirty="0" err="1" smtClean="0"/>
               <a:t>Proj</a:t>
             </a:r>
+            <a:endParaRPr lang="en-GB" baseline="0" dirty="0" smtClean="0"/>
+          </a:p>
+          <a:p>
+            <a:pPr marL="171450" indent="-171450">
+              <a:buFontTx/>
+              <a:buChar char="-"/>
+            </a:pPr>
             <a:r>
               <a:rPr lang="en-GB" baseline="0" dirty="0" smtClean="0"/>
-              <a:t>?)</a:t>
-            </a:r>
+              <a:t>Boost</a:t>
+            </a:r>
+            <a:endParaRPr lang="en-GB" baseline="0" dirty="0" smtClean="0"/>
           </a:p>
           <a:p>
             <a:pPr marL="171450" indent="-171450">
@@ -643,18 +648,9 @@
             </a:pPr>
             <a:r>
               <a:rPr lang="en-GB" baseline="0" dirty="0" smtClean="0"/>
-              <a:t>(Boost?)</a:t>
-            </a:r>
-          </a:p>
-          <a:p>
-            <a:pPr marL="171450" indent="-171450">
-              <a:buFontTx/>
-              <a:buChar char="-"/>
-            </a:pPr>
-            <a:r>
-              <a:rPr lang="en-GB" baseline="0" dirty="0" smtClean="0"/>
-              <a:t>(FFTW3?)</a:t>
-            </a:r>
+              <a:t>FFTW3</a:t>
+            </a:r>
+            <a:endParaRPr lang="en-GB" baseline="0" dirty="0" smtClean="0"/>
           </a:p>
           <a:p>
             <a:pPr marL="171450" indent="-171450">
@@ -1058,8 +1054,9 @@
             </a:pPr>
             <a:r>
               <a:rPr lang="en-GB" baseline="0" dirty="0" smtClean="0"/>
-              <a:t>Boost?</a:t>
-            </a:r>
+              <a:t>Boost</a:t>
+            </a:r>
+            <a:endParaRPr lang="en-GB" baseline="0" dirty="0" smtClean="0"/>
           </a:p>
           <a:p>
             <a:pPr marL="171450" indent="-171450">
@@ -1070,10 +1067,14 @@
               <a:rPr lang="en-GB" baseline="0" dirty="0" err="1" smtClean="0"/>
               <a:t>Tclap</a:t>
             </a:r>
-            <a:r>
-              <a:rPr lang="en-GB" baseline="0" dirty="0" smtClean="0"/>
-              <a:t>?</a:t>
-            </a:r>
+            <a:endParaRPr lang="en-GB" baseline="0" dirty="0" smtClean="0"/>
+          </a:p>
+          <a:p>
+            <a:pPr marL="0" indent="0">
+              <a:buFontTx/>
+              <a:buNone/>
+            </a:pPr>
+            <a:endParaRPr lang="en-GB" baseline="0" dirty="0" smtClean="0"/>
           </a:p>
         </p:txBody>
       </p:sp>
@@ -1271,17 +1272,21 @@
               <a:buChar char="-"/>
             </a:pPr>
             <a:r>
-              <a:rPr lang="en-GB" baseline="0" dirty="0" smtClean="0"/>
-              <a:t>(</a:t>
-            </a:r>
-            <a:r>
               <a:rPr lang="en-GB" baseline="0" dirty="0" err="1" smtClean="0"/>
               <a:t>Proj</a:t>
             </a:r>
+            <a:endParaRPr lang="en-GB" baseline="0" dirty="0" smtClean="0"/>
+          </a:p>
+          <a:p>
+            <a:pPr marL="171450" indent="-171450">
+              <a:buFontTx/>
+              <a:buChar char="-"/>
+            </a:pPr>
             <a:r>
               <a:rPr lang="en-GB" baseline="0" dirty="0" smtClean="0"/>
-              <a:t>?)</a:t>
-            </a:r>
+              <a:t>Boost</a:t>
+            </a:r>
+            <a:endParaRPr lang="en-GB" baseline="0" dirty="0" smtClean="0"/>
           </a:p>
           <a:p>
             <a:pPr marL="171450" indent="-171450">
@@ -1290,18 +1295,9 @@
             </a:pPr>
             <a:r>
               <a:rPr lang="en-GB" baseline="0" dirty="0" smtClean="0"/>
-              <a:t>(Boost?)</a:t>
-            </a:r>
-          </a:p>
-          <a:p>
-            <a:pPr marL="171450" indent="-171450">
-              <a:buFontTx/>
-              <a:buChar char="-"/>
-            </a:pPr>
-            <a:r>
-              <a:rPr lang="en-GB" baseline="0" dirty="0" smtClean="0"/>
-              <a:t>(FFTW3?)</a:t>
-            </a:r>
+              <a:t>FFTW3</a:t>
+            </a:r>
+            <a:endParaRPr lang="en-GB" baseline="0" dirty="0" smtClean="0"/>
           </a:p>
           <a:p>
             <a:pPr marL="171450" indent="-171450">
@@ -1705,8 +1701,9 @@
             </a:pPr>
             <a:r>
               <a:rPr lang="en-GB" baseline="0" dirty="0" smtClean="0"/>
-              <a:t>Boost?</a:t>
-            </a:r>
+              <a:t>Boost</a:t>
+            </a:r>
+            <a:endParaRPr lang="en-GB" baseline="0" dirty="0" smtClean="0"/>
           </a:p>
           <a:p>
             <a:pPr marL="171450" indent="-171450">
@@ -1717,10 +1714,14 @@
               <a:rPr lang="en-GB" baseline="0" dirty="0" err="1" smtClean="0"/>
               <a:t>Tclap</a:t>
             </a:r>
-            <a:r>
-              <a:rPr lang="en-GB" baseline="0" dirty="0" smtClean="0"/>
-              <a:t>?</a:t>
-            </a:r>
+            <a:endParaRPr lang="en-GB" baseline="0" dirty="0" smtClean="0"/>
+          </a:p>
+          <a:p>
+            <a:pPr marL="171450" indent="-171450">
+              <a:buFontTx/>
+              <a:buChar char="-"/>
+            </a:pPr>
+            <a:endParaRPr lang="en-GB" baseline="0" dirty="0" smtClean="0"/>
           </a:p>
         </p:txBody>
       </p:sp>
@@ -1751,6 +1752,90 @@
     <p:extLst>
       <p:ext uri="{BB962C8B-B14F-4D97-AF65-F5344CB8AC3E}">
         <p14:creationId xmlns:p14="http://schemas.microsoft.com/office/powerpoint/2010/main" val="1383796133"/>
+      </p:ext>
+    </p:extLst>
+  </p:cSld>
+  <p:clrMapOvr>
+    <a:masterClrMapping/>
+  </p:clrMapOvr>
+</p:notes>
+</file>
+
+<file path=ppt/notesSlides/notesSlide3.xml><?xml version="1.0" encoding="utf-8"?>
+<p:notes xmlns:a="http://schemas.openxmlformats.org/drawingml/2006/main" xmlns:r="http://schemas.openxmlformats.org/officeDocument/2006/relationships" xmlns:p="http://schemas.openxmlformats.org/presentationml/2006/main">
+  <p:cSld>
+    <p:spTree>
+      <p:nvGrpSpPr>
+        <p:cNvPr id="1" name=""/>
+        <p:cNvGrpSpPr/>
+        <p:nvPr/>
+      </p:nvGrpSpPr>
+      <p:grpSpPr>
+        <a:xfrm>
+          <a:off x="0" y="0"/>
+          <a:ext cx="0" cy="0"/>
+          <a:chOff x="0" y="0"/>
+          <a:chExt cx="0" cy="0"/>
+        </a:xfrm>
+      </p:grpSpPr>
+      <p:sp>
+        <p:nvSpPr>
+          <p:cNvPr id="2" name="Folienbildplatzhalter 1"/>
+          <p:cNvSpPr>
+            <a:spLocks noGrp="1" noRot="1" noChangeAspect="1"/>
+          </p:cNvSpPr>
+          <p:nvPr>
+            <p:ph type="sldImg"/>
+          </p:nvPr>
+        </p:nvSpPr>
+        <p:spPr/>
+      </p:sp>
+      <p:sp>
+        <p:nvSpPr>
+          <p:cNvPr id="3" name="Notizenplatzhalter 2"/>
+          <p:cNvSpPr>
+            <a:spLocks noGrp="1"/>
+          </p:cNvSpPr>
+          <p:nvPr>
+            <p:ph type="body" idx="1"/>
+          </p:nvPr>
+        </p:nvSpPr>
+        <p:spPr/>
+        <p:txBody>
+          <a:bodyPr/>
+          <a:lstStyle/>
+          <a:p>
+            <a:endParaRPr lang="en-GB" dirty="0"/>
+          </a:p>
+        </p:txBody>
+      </p:sp>
+      <p:sp>
+        <p:nvSpPr>
+          <p:cNvPr id="4" name="Foliennummernplatzhalter 3"/>
+          <p:cNvSpPr>
+            <a:spLocks noGrp="1"/>
+          </p:cNvSpPr>
+          <p:nvPr>
+            <p:ph type="sldNum" sz="quarter" idx="10"/>
+          </p:nvPr>
+        </p:nvSpPr>
+        <p:spPr/>
+        <p:txBody>
+          <a:bodyPr/>
+          <a:lstStyle/>
+          <a:p>
+            <a:fld id="{479F3FED-9947-4265-A205-A7AB16AA1E9C}" type="slidenum">
+              <a:rPr lang="en-GB" smtClean="0"/>
+              <a:t>3</a:t>
+            </a:fld>
+            <a:endParaRPr lang="en-GB"/>
+          </a:p>
+        </p:txBody>
+      </p:sp>
+    </p:spTree>
+    <p:extLst>
+      <p:ext uri="{BB962C8B-B14F-4D97-AF65-F5344CB8AC3E}">
+        <p14:creationId xmlns:p14="http://schemas.microsoft.com/office/powerpoint/2010/main" val="1150120051"/>
       </p:ext>
     </p:extLst>
   </p:cSld>
@@ -1891,7 +1976,7 @@
           <a:p>
             <a:fld id="{4F0CC81E-5032-4A7E-B0CA-6975587453DA}" type="datetimeFigureOut">
               <a:rPr lang="en-GB" smtClean="0"/>
-              <a:t>26/07/2021</a:t>
+              <a:t>17/08/2021</a:t>
             </a:fld>
             <a:endParaRPr lang="en-GB"/>
           </a:p>
@@ -2061,7 +2146,7 @@
           <a:p>
             <a:fld id="{4F0CC81E-5032-4A7E-B0CA-6975587453DA}" type="datetimeFigureOut">
               <a:rPr lang="en-GB" smtClean="0"/>
-              <a:t>26/07/2021</a:t>
+              <a:t>17/08/2021</a:t>
             </a:fld>
             <a:endParaRPr lang="en-GB"/>
           </a:p>
@@ -2241,7 +2326,7 @@
           <a:p>
             <a:fld id="{4F0CC81E-5032-4A7E-B0CA-6975587453DA}" type="datetimeFigureOut">
               <a:rPr lang="en-GB" smtClean="0"/>
-              <a:t>26/07/2021</a:t>
+              <a:t>17/08/2021</a:t>
             </a:fld>
             <a:endParaRPr lang="en-GB"/>
           </a:p>
@@ -2293,6 +2378,205 @@
     <p:extLst>
       <p:ext uri="{BB962C8B-B14F-4D97-AF65-F5344CB8AC3E}">
         <p14:creationId xmlns:p14="http://schemas.microsoft.com/office/powerpoint/2010/main" val="4092155147"/>
+      </p:ext>
+    </p:extLst>
+  </p:cSld>
+  <p:clrMapOvr>
+    <a:masterClrMapping/>
+  </p:clrMapOvr>
+</p:sldLayout>
+</file>
+
+<file path=ppt/slideLayouts/slideLayout12.xml><?xml version="1.0" encoding="utf-8"?>
+<p:sldLayout xmlns:a="http://schemas.openxmlformats.org/drawingml/2006/main" xmlns:r="http://schemas.openxmlformats.org/officeDocument/2006/relationships" xmlns:p="http://schemas.openxmlformats.org/presentationml/2006/main" userDrawn="1">
+  <p:cSld name="Inhalt">
+    <p:spTree>
+      <p:nvGrpSpPr>
+        <p:cNvPr id="1" name=""/>
+        <p:cNvGrpSpPr/>
+        <p:nvPr/>
+      </p:nvGrpSpPr>
+      <p:grpSpPr>
+        <a:xfrm>
+          <a:off x="0" y="0"/>
+          <a:ext cx="0" cy="0"/>
+          <a:chOff x="0" y="0"/>
+          <a:chExt cx="0" cy="0"/>
+        </a:xfrm>
+      </p:grpSpPr>
+      <p:sp>
+        <p:nvSpPr>
+          <p:cNvPr id="3" name="Inhaltsplatzhalter 2"/>
+          <p:cNvSpPr>
+            <a:spLocks noGrp="1"/>
+          </p:cNvSpPr>
+          <p:nvPr>
+            <p:ph idx="1" hasCustomPrompt="1"/>
+          </p:nvPr>
+        </p:nvSpPr>
+        <p:spPr>
+          <a:xfrm>
+            <a:off x="425454" y="2805784"/>
+            <a:ext cx="11345332" cy="5427854"/>
+          </a:xfrm>
+          <a:prstGeom prst="rect">
+            <a:avLst/>
+          </a:prstGeom>
+          <a:noFill/>
+          <a:ln w="9525">
+            <a:noFill/>
+            <a:miter lim="800000"/>
+            <a:headEnd/>
+            <a:tailEnd/>
+          </a:ln>
+        </p:spPr>
+        <p:txBody>
+          <a:bodyPr vert="horz" wrap="square" lIns="0" tIns="0" rIns="0" bIns="0" numCol="1" anchor="t" anchorCtr="0" compatLnSpc="1">
+            <a:prstTxWarp prst="textNoShape">
+              <a:avLst/>
+            </a:prstTxWarp>
+          </a:bodyPr>
+          <a:lstStyle>
+            <a:lvl1pPr>
+              <a:lnSpc>
+                <a:spcPct val="114000"/>
+              </a:lnSpc>
+              <a:defRPr lang="de-DE" sz="1867" noProof="0" dirty="0" smtClean="0"/>
+            </a:lvl1pPr>
+            <a:lvl2pPr>
+              <a:lnSpc>
+                <a:spcPct val="114000"/>
+              </a:lnSpc>
+              <a:defRPr lang="de-DE" sz="1867" noProof="0" dirty="0" smtClean="0"/>
+            </a:lvl2pPr>
+            <a:lvl3pPr>
+              <a:defRPr sz="1867"/>
+            </a:lvl3pPr>
+          </a:lstStyle>
+          <a:p>
+            <a:pPr lvl="0"/>
+            <a:r>
+              <a:rPr lang="de-DE" noProof="0" dirty="0"/>
+              <a:t>Inhalt durch Klicken bearbeiten</a:t>
+            </a:r>
+          </a:p>
+          <a:p>
+            <a:pPr lvl="1"/>
+            <a:r>
+              <a:rPr lang="de-DE" noProof="0" dirty="0"/>
+              <a:t>Zweite Ebene</a:t>
+            </a:r>
+          </a:p>
+          <a:p>
+            <a:pPr lvl="2"/>
+            <a:r>
+              <a:rPr lang="de-DE" noProof="0" dirty="0"/>
+              <a:t>Dritte Ebene</a:t>
+            </a:r>
+          </a:p>
+        </p:txBody>
+      </p:sp>
+      <p:sp>
+        <p:nvSpPr>
+          <p:cNvPr id="10" name="Titel 1"/>
+          <p:cNvSpPr>
+            <a:spLocks noGrp="1"/>
+          </p:cNvSpPr>
+          <p:nvPr>
+            <p:ph type="title" hasCustomPrompt="1"/>
+          </p:nvPr>
+        </p:nvSpPr>
+        <p:spPr>
+          <a:xfrm>
+            <a:off x="425454" y="1704301"/>
+            <a:ext cx="11345332" cy="551433"/>
+          </a:xfrm>
+          <a:prstGeom prst="rect">
+            <a:avLst/>
+          </a:prstGeom>
+          <a:noFill/>
+          <a:ln w="9525">
+            <a:noFill/>
+            <a:miter lim="800000"/>
+            <a:headEnd/>
+            <a:tailEnd/>
+          </a:ln>
+        </p:spPr>
+        <p:txBody>
+          <a:bodyPr vert="horz" wrap="square" lIns="0" tIns="0" rIns="0" bIns="0" numCol="1" anchor="t" anchorCtr="0" compatLnSpc="1">
+            <a:prstTxWarp prst="textNoShape">
+              <a:avLst/>
+            </a:prstTxWarp>
+            <a:spAutoFit/>
+          </a:bodyPr>
+          <a:lstStyle>
+            <a:lvl1pPr>
+              <a:lnSpc>
+                <a:spcPts val="4267"/>
+              </a:lnSpc>
+              <a:defRPr lang="de-DE" sz="3333" noProof="0" dirty="0"/>
+            </a:lvl1pPr>
+          </a:lstStyle>
+          <a:p>
+            <a:pPr lvl="0"/>
+            <a:r>
+              <a:rPr lang="de-DE" noProof="0" dirty="0"/>
+              <a:t>Titel durch Klicken bearbeiten</a:t>
+            </a:r>
+          </a:p>
+        </p:txBody>
+      </p:sp>
+      <p:sp>
+        <p:nvSpPr>
+          <p:cNvPr id="5" name="Foliennummernplatzhalter 4"/>
+          <p:cNvSpPr>
+            <a:spLocks noGrp="1"/>
+          </p:cNvSpPr>
+          <p:nvPr>
+            <p:ph type="sldNum" sz="quarter" idx="11"/>
+          </p:nvPr>
+        </p:nvSpPr>
+        <p:spPr/>
+        <p:txBody>
+          <a:bodyPr lIns="0" rIns="0"/>
+          <a:lstStyle/>
+          <a:p>
+            <a:fld id="{CE58CB1E-F828-4F11-99E0-327109AF9DA4}" type="slidenum">
+              <a:rPr lang="de-DE" smtClean="0"/>
+              <a:pPr/>
+              <a:t>‹Nr.›</a:t>
+            </a:fld>
+            <a:endParaRPr lang="de-DE" dirty="0"/>
+          </a:p>
+        </p:txBody>
+      </p:sp>
+      <p:sp>
+        <p:nvSpPr>
+          <p:cNvPr id="7" name="Fußzeilenplatzhalter 6"/>
+          <p:cNvSpPr>
+            <a:spLocks noGrp="1"/>
+          </p:cNvSpPr>
+          <p:nvPr>
+            <p:ph type="ftr" sz="quarter" idx="12"/>
+          </p:nvPr>
+        </p:nvSpPr>
+        <p:spPr/>
+        <p:txBody>
+          <a:bodyPr/>
+          <a:lstStyle/>
+          <a:p>
+            <a:r>
+              <a:rPr lang="de-DE"/>
+              <a:t>Dr. rer. nat. Erika Mustermann (TUM) | kann beliebig erweitert werden | Infos mit Strich trennen</a:t>
+            </a:r>
+            <a:endParaRPr lang="en-US" dirty="0"/>
+          </a:p>
+        </p:txBody>
+      </p:sp>
+    </p:spTree>
+    <p:extLst>
+      <p:ext uri="{BB962C8B-B14F-4D97-AF65-F5344CB8AC3E}">
+        <p14:creationId xmlns:p14="http://schemas.microsoft.com/office/powerpoint/2010/main" val="509359282"/>
       </p:ext>
     </p:extLst>
   </p:cSld>
@@ -2411,7 +2695,7 @@
           <a:p>
             <a:fld id="{4F0CC81E-5032-4A7E-B0CA-6975587453DA}" type="datetimeFigureOut">
               <a:rPr lang="en-GB" smtClean="0"/>
-              <a:t>26/07/2021</a:t>
+              <a:t>17/08/2021</a:t>
             </a:fld>
             <a:endParaRPr lang="en-GB"/>
           </a:p>
@@ -2655,7 +2939,7 @@
           <a:p>
             <a:fld id="{4F0CC81E-5032-4A7E-B0CA-6975587453DA}" type="datetimeFigureOut">
               <a:rPr lang="en-GB" smtClean="0"/>
-              <a:t>26/07/2021</a:t>
+              <a:t>17/08/2021</a:t>
             </a:fld>
             <a:endParaRPr lang="en-GB"/>
           </a:p>
@@ -2887,7 +3171,7 @@
           <a:p>
             <a:fld id="{4F0CC81E-5032-4A7E-B0CA-6975587453DA}" type="datetimeFigureOut">
               <a:rPr lang="en-GB" smtClean="0"/>
-              <a:t>26/07/2021</a:t>
+              <a:t>17/08/2021</a:t>
             </a:fld>
             <a:endParaRPr lang="en-GB"/>
           </a:p>
@@ -3254,7 +3538,7 @@
           <a:p>
             <a:fld id="{4F0CC81E-5032-4A7E-B0CA-6975587453DA}" type="datetimeFigureOut">
               <a:rPr lang="en-GB" smtClean="0"/>
-              <a:t>26/07/2021</a:t>
+              <a:t>17/08/2021</a:t>
             </a:fld>
             <a:endParaRPr lang="en-GB"/>
           </a:p>
@@ -3372,7 +3656,7 @@
           <a:p>
             <a:fld id="{4F0CC81E-5032-4A7E-B0CA-6975587453DA}" type="datetimeFigureOut">
               <a:rPr lang="en-GB" smtClean="0"/>
-              <a:t>26/07/2021</a:t>
+              <a:t>17/08/2021</a:t>
             </a:fld>
             <a:endParaRPr lang="en-GB"/>
           </a:p>
@@ -3467,7 +3751,7 @@
           <a:p>
             <a:fld id="{4F0CC81E-5032-4A7E-B0CA-6975587453DA}" type="datetimeFigureOut">
               <a:rPr lang="en-GB" smtClean="0"/>
-              <a:t>26/07/2021</a:t>
+              <a:t>17/08/2021</a:t>
             </a:fld>
             <a:endParaRPr lang="en-GB"/>
           </a:p>
@@ -3744,7 +4028,7 @@
           <a:p>
             <a:fld id="{4F0CC81E-5032-4A7E-B0CA-6975587453DA}" type="datetimeFigureOut">
               <a:rPr lang="en-GB" smtClean="0"/>
-              <a:t>26/07/2021</a:t>
+              <a:t>17/08/2021</a:t>
             </a:fld>
             <a:endParaRPr lang="en-GB"/>
           </a:p>
@@ -4001,7 +4285,7 @@
           <a:p>
             <a:fld id="{4F0CC81E-5032-4A7E-B0CA-6975587453DA}" type="datetimeFigureOut">
               <a:rPr lang="en-GB" smtClean="0"/>
-              <a:t>26/07/2021</a:t>
+              <a:t>17/08/2021</a:t>
             </a:fld>
             <a:endParaRPr lang="en-GB"/>
           </a:p>
@@ -4214,7 +4498,7 @@
           <a:p>
             <a:fld id="{4F0CC81E-5032-4A7E-B0CA-6975587453DA}" type="datetimeFigureOut">
               <a:rPr lang="en-GB" smtClean="0"/>
-              <a:t>26/07/2021</a:t>
+              <a:t>17/08/2021</a:t>
             </a:fld>
             <a:endParaRPr lang="en-GB"/>
           </a:p>
@@ -4318,6 +4602,7 @@
     <p:sldLayoutId id="2147483669" r:id="rId9"/>
     <p:sldLayoutId id="2147483670" r:id="rId10"/>
     <p:sldLayoutId id="2147483671" r:id="rId11"/>
+    <p:sldLayoutId id="2147483672" r:id="rId12"/>
   </p:sldLayoutIdLst>
   <p:txStyles>
     <p:titleStyle>
@@ -4621,24 +4906,22 @@
       </p:grpSpPr>
       <p:sp>
         <p:nvSpPr>
-          <p:cNvPr id="30" name="Abgerundetes Rechteck 29"/>
+          <p:cNvPr id="53" name="Abgerundetes Rechteck 52"/>
           <p:cNvSpPr/>
           <p:nvPr/>
         </p:nvSpPr>
         <p:spPr>
           <a:xfrm>
-            <a:off x="6116595" y="556055"/>
-            <a:ext cx="5379521" cy="2163410"/>
+            <a:off x="8135880" y="557817"/>
+            <a:ext cx="776164" cy="733943"/>
           </a:xfrm>
           <a:prstGeom prst="roundRect">
             <a:avLst>
-              <a:gd name="adj" fmla="val 674"/>
+              <a:gd name="adj" fmla="val 1514"/>
             </a:avLst>
           </a:prstGeom>
           <a:solidFill>
-            <a:schemeClr val="bg1">
-              <a:lumMod val="95000"/>
-            </a:schemeClr>
+            <a:srgbClr val="70AD47"/>
           </a:solidFill>
           <a:ln w="19050">
             <a:solidFill>
@@ -4675,24 +4958,22 @@
       </p:sp>
       <p:sp>
         <p:nvSpPr>
-          <p:cNvPr id="2" name="Abgerundetes Rechteck 1"/>
+          <p:cNvPr id="51" name="Abgerundetes Rechteck 50"/>
           <p:cNvSpPr/>
           <p:nvPr/>
         </p:nvSpPr>
         <p:spPr>
           <a:xfrm>
-            <a:off x="3143970" y="6839562"/>
-            <a:ext cx="8352149" cy="1121790"/>
+            <a:off x="6281389" y="556807"/>
+            <a:ext cx="776164" cy="733943"/>
           </a:xfrm>
           <a:prstGeom prst="roundRect">
             <a:avLst>
-              <a:gd name="adj" fmla="val 2347"/>
+              <a:gd name="adj" fmla="val 1514"/>
             </a:avLst>
           </a:prstGeom>
           <a:solidFill>
-            <a:schemeClr val="bg1">
-              <a:lumMod val="95000"/>
-            </a:schemeClr>
+            <a:srgbClr val="70AD47"/>
           </a:solidFill>
           <a:ln w="19050">
             <a:solidFill>
@@ -4729,177 +5010,22 @@
       </p:sp>
       <p:sp>
         <p:nvSpPr>
-          <p:cNvPr id="3" name="Abgerundetes Rechteck 2"/>
+          <p:cNvPr id="56" name="Abgerundetes Rechteck 55"/>
           <p:cNvSpPr/>
           <p:nvPr/>
         </p:nvSpPr>
         <p:spPr>
           <a:xfrm>
-            <a:off x="7729725" y="7450125"/>
-            <a:ext cx="1690538" cy="391213"/>
-          </a:xfrm>
-          <a:prstGeom prst="roundRect">
-            <a:avLst/>
-          </a:prstGeom>
-        </p:spPr>
-        <p:style>
-          <a:lnRef idx="2">
-            <a:schemeClr val="accent1">
-              <a:shade val="50000"/>
-            </a:schemeClr>
-          </a:lnRef>
-          <a:fillRef idx="1">
-            <a:schemeClr val="accent1"/>
-          </a:fillRef>
-          <a:effectRef idx="0">
-            <a:schemeClr val="accent1"/>
-          </a:effectRef>
-          <a:fontRef idx="minor">
-            <a:schemeClr val="lt1"/>
-          </a:fontRef>
-        </p:style>
-        <p:txBody>
-          <a:bodyPr rtlCol="0" anchor="ctr"/>
-          <a:lstStyle/>
-          <a:p>
-            <a:pPr algn="ctr"/>
-            <a:r>
-              <a:rPr lang="en-GB" dirty="0"/>
-              <a:t>FFTW3</a:t>
-            </a:r>
-          </a:p>
-        </p:txBody>
-      </p:sp>
-      <p:sp>
-        <p:nvSpPr>
-          <p:cNvPr id="4" name="Abgerundetes Rechteck 3"/>
-          <p:cNvSpPr/>
-          <p:nvPr/>
-        </p:nvSpPr>
-        <p:spPr>
-          <a:xfrm>
-            <a:off x="9508660" y="7450125"/>
-            <a:ext cx="1690538" cy="391213"/>
-          </a:xfrm>
-          <a:prstGeom prst="roundRect">
-            <a:avLst/>
-          </a:prstGeom>
-        </p:spPr>
-        <p:style>
-          <a:lnRef idx="2">
-            <a:schemeClr val="accent1">
-              <a:shade val="50000"/>
-            </a:schemeClr>
-          </a:lnRef>
-          <a:fillRef idx="1">
-            <a:schemeClr val="accent1"/>
-          </a:fillRef>
-          <a:effectRef idx="0">
-            <a:schemeClr val="accent1"/>
-          </a:effectRef>
-          <a:fontRef idx="minor">
-            <a:schemeClr val="lt1"/>
-          </a:fontRef>
-        </p:style>
-        <p:txBody>
-          <a:bodyPr rtlCol="0" anchor="ctr"/>
-          <a:lstStyle/>
-          <a:p>
-            <a:pPr algn="ctr"/>
-            <a:r>
-              <a:rPr lang="en-GB" dirty="0" err="1"/>
-              <a:t>Doxygen</a:t>
-            </a:r>
-            <a:endParaRPr lang="en-GB" dirty="0"/>
-          </a:p>
-        </p:txBody>
-      </p:sp>
-      <p:sp>
-        <p:nvSpPr>
-          <p:cNvPr id="5" name="Textfeld 4"/>
-          <p:cNvSpPr txBox="1"/>
-          <p:nvPr/>
-        </p:nvSpPr>
-        <p:spPr>
-          <a:xfrm>
-            <a:off x="3558746" y="6946281"/>
-            <a:ext cx="625492" cy="369332"/>
-          </a:xfrm>
-          <a:prstGeom prst="rect">
-            <a:avLst/>
-          </a:prstGeom>
-          <a:noFill/>
-        </p:spPr>
-        <p:txBody>
-          <a:bodyPr wrap="none" rtlCol="0">
-            <a:spAutoFit/>
-          </a:bodyPr>
-          <a:lstStyle/>
-          <a:p>
-            <a:r>
-              <a:rPr lang="en-GB" dirty="0"/>
-              <a:t>Base</a:t>
-            </a:r>
-          </a:p>
-        </p:txBody>
-      </p:sp>
-      <p:cxnSp>
-        <p:nvCxnSpPr>
-          <p:cNvPr id="7" name="Gerader Verbinder 6"/>
-          <p:cNvCxnSpPr/>
-          <p:nvPr/>
-        </p:nvCxnSpPr>
-        <p:spPr>
-          <a:xfrm flipH="1">
-            <a:off x="174527" y="6721726"/>
-            <a:ext cx="11764651" cy="4714"/>
-          </a:xfrm>
-          <a:prstGeom prst="line">
-            <a:avLst/>
-          </a:prstGeom>
-          <a:ln w="19050">
-            <a:solidFill>
-              <a:schemeClr val="accent1">
-                <a:lumMod val="50000"/>
-              </a:schemeClr>
-            </a:solidFill>
-          </a:ln>
-        </p:spPr>
-        <p:style>
-          <a:lnRef idx="1">
-            <a:schemeClr val="accent1"/>
-          </a:lnRef>
-          <a:fillRef idx="0">
-            <a:schemeClr val="accent1"/>
-          </a:fillRef>
-          <a:effectRef idx="0">
-            <a:schemeClr val="accent1"/>
-          </a:effectRef>
-          <a:fontRef idx="minor">
-            <a:schemeClr val="tx1"/>
-          </a:fontRef>
-        </p:style>
-      </p:cxnSp>
-      <p:sp>
-        <p:nvSpPr>
-          <p:cNvPr id="10" name="Abgerundetes Rechteck 9"/>
-          <p:cNvSpPr/>
-          <p:nvPr/>
-        </p:nvSpPr>
-        <p:spPr>
-          <a:xfrm>
-            <a:off x="3143970" y="3652122"/>
-            <a:ext cx="5024487" cy="2956482"/>
+            <a:off x="5353345" y="1439194"/>
+            <a:ext cx="4918811" cy="559122"/>
           </a:xfrm>
           <a:prstGeom prst="roundRect">
             <a:avLst>
-              <a:gd name="adj" fmla="val 1203"/>
+              <a:gd name="adj" fmla="val 2897"/>
             </a:avLst>
           </a:prstGeom>
           <a:solidFill>
-            <a:schemeClr val="bg1">
-              <a:lumMod val="95000"/>
-            </a:schemeClr>
+            <a:srgbClr val="ED7D31"/>
           </a:solidFill>
           <a:ln w="19050">
             <a:solidFill>
@@ -4930,59 +5056,28 @@
           <a:lstStyle/>
           <a:p>
             <a:pPr algn="ctr"/>
-            <a:endParaRPr lang="en-GB"/>
-          </a:p>
-        </p:txBody>
-      </p:sp>
-      <p:sp>
-        <p:nvSpPr>
-          <p:cNvPr id="11" name="Textfeld 10"/>
-          <p:cNvSpPr txBox="1"/>
-          <p:nvPr/>
-        </p:nvSpPr>
-        <p:spPr>
-          <a:xfrm>
-            <a:off x="3558746" y="3785275"/>
-            <a:ext cx="622478" cy="369332"/>
-          </a:xfrm>
-          <a:prstGeom prst="rect">
-            <a:avLst/>
-          </a:prstGeom>
-          <a:noFill/>
-        </p:spPr>
-        <p:txBody>
-          <a:bodyPr wrap="none" rtlCol="0">
-            <a:spAutoFit/>
-          </a:bodyPr>
-          <a:lstStyle/>
-          <a:p>
-            <a:r>
-              <a:rPr lang="en-GB" dirty="0"/>
-              <a:t>Core</a:t>
-            </a:r>
-          </a:p>
-        </p:txBody>
-      </p:sp>
-      <p:sp>
-        <p:nvSpPr>
-          <p:cNvPr id="12" name="Abgerundetes Rechteck 11"/>
+            <a:endParaRPr lang="en-GB" dirty="0"/>
+          </a:p>
+        </p:txBody>
+      </p:sp>
+      <p:sp>
+        <p:nvSpPr>
+          <p:cNvPr id="2" name="Abgerundetes Rechteck 1"/>
           <p:cNvSpPr/>
           <p:nvPr/>
         </p:nvSpPr>
         <p:spPr>
           <a:xfrm>
-            <a:off x="8385274" y="3652122"/>
-            <a:ext cx="3110845" cy="2956482"/>
+            <a:off x="3143970" y="6839562"/>
+            <a:ext cx="8352149" cy="1121790"/>
           </a:xfrm>
           <a:prstGeom prst="roundRect">
             <a:avLst>
-              <a:gd name="adj" fmla="val 785"/>
+              <a:gd name="adj" fmla="val 2347"/>
             </a:avLst>
           </a:prstGeom>
           <a:solidFill>
-            <a:schemeClr val="bg1">
-              <a:lumMod val="95000"/>
-            </a:schemeClr>
+            <a:srgbClr val="ED7D31"/>
           </a:solidFill>
           <a:ln w="19050">
             <a:solidFill>
@@ -5019,25 +5114,181 @@
       </p:sp>
       <p:sp>
         <p:nvSpPr>
-          <p:cNvPr id="13" name="Abgerundetes Rechteck 12"/>
+          <p:cNvPr id="3" name="Abgerundetes Rechteck 2"/>
           <p:cNvSpPr/>
           <p:nvPr/>
         </p:nvSpPr>
         <p:spPr>
           <a:xfrm>
-            <a:off x="3332503" y="4963632"/>
-            <a:ext cx="2234152" cy="1517715"/>
+            <a:off x="7729725" y="7450125"/>
+            <a:ext cx="1690538" cy="391213"/>
+          </a:xfrm>
+          <a:prstGeom prst="roundRect">
+            <a:avLst/>
+          </a:prstGeom>
+          <a:solidFill>
+            <a:srgbClr val="4472C4"/>
+          </a:solidFill>
+        </p:spPr>
+        <p:style>
+          <a:lnRef idx="2">
+            <a:schemeClr val="accent1">
+              <a:shade val="50000"/>
+            </a:schemeClr>
+          </a:lnRef>
+          <a:fillRef idx="1">
+            <a:schemeClr val="accent1"/>
+          </a:fillRef>
+          <a:effectRef idx="0">
+            <a:schemeClr val="accent1"/>
+          </a:effectRef>
+          <a:fontRef idx="minor">
+            <a:schemeClr val="lt1"/>
+          </a:fontRef>
+        </p:style>
+        <p:txBody>
+          <a:bodyPr rtlCol="0" anchor="ctr"/>
+          <a:lstStyle/>
+          <a:p>
+            <a:pPr algn="ctr"/>
+            <a:r>
+              <a:rPr lang="en-GB" dirty="0"/>
+              <a:t>FFTW3</a:t>
+            </a:r>
+          </a:p>
+        </p:txBody>
+      </p:sp>
+      <p:sp>
+        <p:nvSpPr>
+          <p:cNvPr id="4" name="Abgerundetes Rechteck 3"/>
+          <p:cNvSpPr/>
+          <p:nvPr/>
+        </p:nvSpPr>
+        <p:spPr>
+          <a:xfrm>
+            <a:off x="9508660" y="7450125"/>
+            <a:ext cx="1690538" cy="391213"/>
+          </a:xfrm>
+          <a:prstGeom prst="roundRect">
+            <a:avLst/>
+          </a:prstGeom>
+          <a:solidFill>
+            <a:srgbClr val="4472C4"/>
+          </a:solidFill>
+        </p:spPr>
+        <p:style>
+          <a:lnRef idx="2">
+            <a:schemeClr val="accent1">
+              <a:shade val="50000"/>
+            </a:schemeClr>
+          </a:lnRef>
+          <a:fillRef idx="1">
+            <a:schemeClr val="accent1"/>
+          </a:fillRef>
+          <a:effectRef idx="0">
+            <a:schemeClr val="accent1"/>
+          </a:effectRef>
+          <a:fontRef idx="minor">
+            <a:schemeClr val="lt1"/>
+          </a:fontRef>
+        </p:style>
+        <p:txBody>
+          <a:bodyPr rtlCol="0" anchor="ctr"/>
+          <a:lstStyle/>
+          <a:p>
+            <a:pPr algn="ctr"/>
+            <a:r>
+              <a:rPr lang="en-GB" dirty="0" err="1"/>
+              <a:t>Doxygen</a:t>
+            </a:r>
+            <a:endParaRPr lang="en-GB" dirty="0"/>
+          </a:p>
+        </p:txBody>
+      </p:sp>
+      <p:sp>
+        <p:nvSpPr>
+          <p:cNvPr id="5" name="Textfeld 4"/>
+          <p:cNvSpPr txBox="1"/>
+          <p:nvPr/>
+        </p:nvSpPr>
+        <p:spPr>
+          <a:xfrm>
+            <a:off x="3558746" y="6946281"/>
+            <a:ext cx="625492" cy="369332"/>
+          </a:xfrm>
+          <a:prstGeom prst="rect">
+            <a:avLst/>
+          </a:prstGeom>
+          <a:noFill/>
+        </p:spPr>
+        <p:txBody>
+          <a:bodyPr wrap="none" rtlCol="0">
+            <a:spAutoFit/>
+          </a:bodyPr>
+          <a:lstStyle/>
+          <a:p>
+            <a:r>
+              <a:rPr lang="en-GB" dirty="0"/>
+              <a:t>Base</a:t>
+            </a:r>
+          </a:p>
+        </p:txBody>
+      </p:sp>
+      <p:cxnSp>
+        <p:nvCxnSpPr>
+          <p:cNvPr id="7" name="Gerader Verbinder 6"/>
+          <p:cNvCxnSpPr/>
+          <p:nvPr/>
+        </p:nvCxnSpPr>
+        <p:spPr>
+          <a:xfrm flipH="1">
+            <a:off x="174527" y="6721726"/>
+            <a:ext cx="11764651" cy="4714"/>
+          </a:xfrm>
+          <a:prstGeom prst="line">
+            <a:avLst/>
+          </a:prstGeom>
+          <a:ln w="19050">
+            <a:solidFill>
+              <a:schemeClr val="accent1">
+                <a:lumMod val="50000"/>
+              </a:schemeClr>
+            </a:solidFill>
+          </a:ln>
+        </p:spPr>
+        <p:style>
+          <a:lnRef idx="1">
+            <a:schemeClr val="accent1"/>
+          </a:lnRef>
+          <a:fillRef idx="0">
+            <a:schemeClr val="accent1"/>
+          </a:fillRef>
+          <a:effectRef idx="0">
+            <a:schemeClr val="accent1"/>
+          </a:effectRef>
+          <a:fontRef idx="minor">
+            <a:schemeClr val="tx1"/>
+          </a:fontRef>
+        </p:style>
+      </p:cxnSp>
+      <p:sp>
+        <p:nvSpPr>
+          <p:cNvPr id="10" name="Abgerundetes Rechteck 9"/>
+          <p:cNvSpPr/>
+          <p:nvPr/>
+        </p:nvSpPr>
+        <p:spPr>
+          <a:xfrm>
+            <a:off x="3143970" y="3652122"/>
+            <a:ext cx="5024487" cy="2956482"/>
           </a:xfrm>
           <a:prstGeom prst="roundRect">
             <a:avLst>
-              <a:gd name="adj" fmla="val 1198"/>
+              <a:gd name="adj" fmla="val 1203"/>
             </a:avLst>
           </a:prstGeom>
           <a:solidFill>
-            <a:schemeClr val="accent1">
-              <a:lumMod val="20000"/>
-              <a:lumOff val="80000"/>
-            </a:schemeClr>
+            <a:srgbClr val="ED7D31"/>
           </a:solidFill>
           <a:ln w="19050">
             <a:solidFill>
@@ -5074,25 +5325,51 @@
       </p:sp>
       <p:sp>
         <p:nvSpPr>
-          <p:cNvPr id="14" name="Abgerundetes Rechteck 13"/>
+          <p:cNvPr id="11" name="Textfeld 10"/>
+          <p:cNvSpPr txBox="1"/>
+          <p:nvPr/>
+        </p:nvSpPr>
+        <p:spPr>
+          <a:xfrm>
+            <a:off x="3558746" y="3785275"/>
+            <a:ext cx="622478" cy="369332"/>
+          </a:xfrm>
+          <a:prstGeom prst="rect">
+            <a:avLst/>
+          </a:prstGeom>
+          <a:noFill/>
+        </p:spPr>
+        <p:txBody>
+          <a:bodyPr wrap="none" rtlCol="0">
+            <a:spAutoFit/>
+          </a:bodyPr>
+          <a:lstStyle/>
+          <a:p>
+            <a:r>
+              <a:rPr lang="en-GB" dirty="0"/>
+              <a:t>Core</a:t>
+            </a:r>
+          </a:p>
+        </p:txBody>
+      </p:sp>
+      <p:sp>
+        <p:nvSpPr>
+          <p:cNvPr id="12" name="Abgerundetes Rechteck 11"/>
           <p:cNvSpPr/>
           <p:nvPr/>
         </p:nvSpPr>
         <p:spPr>
           <a:xfrm>
-            <a:off x="5750478" y="4963628"/>
-            <a:ext cx="2234152" cy="1517714"/>
+            <a:off x="8352280" y="3652122"/>
+            <a:ext cx="3143839" cy="2956482"/>
           </a:xfrm>
           <a:prstGeom prst="roundRect">
             <a:avLst>
-              <a:gd name="adj" fmla="val 2012"/>
+              <a:gd name="adj" fmla="val 785"/>
             </a:avLst>
           </a:prstGeom>
           <a:solidFill>
-            <a:schemeClr val="accent1">
-              <a:lumMod val="20000"/>
-              <a:lumOff val="80000"/>
-            </a:schemeClr>
+            <a:srgbClr val="ED7D31"/>
           </a:solidFill>
           <a:ln w="19050">
             <a:solidFill>
@@ -5127,613 +5404,24 @@
           </a:p>
         </p:txBody>
       </p:sp>
-      <p:cxnSp>
-        <p:nvCxnSpPr>
-          <p:cNvPr id="15" name="Gerader Verbinder 14"/>
-          <p:cNvCxnSpPr/>
-          <p:nvPr/>
-        </p:nvCxnSpPr>
-        <p:spPr>
-          <a:xfrm flipH="1">
-            <a:off x="174526" y="3536645"/>
-            <a:ext cx="11764651" cy="4714"/>
-          </a:xfrm>
-          <a:prstGeom prst="line">
-            <a:avLst/>
-          </a:prstGeom>
-          <a:ln w="19050">
-            <a:solidFill>
-              <a:schemeClr val="accent1">
-                <a:lumMod val="50000"/>
-              </a:schemeClr>
-            </a:solidFill>
-          </a:ln>
-        </p:spPr>
-        <p:style>
-          <a:lnRef idx="1">
-            <a:schemeClr val="accent1"/>
-          </a:lnRef>
-          <a:fillRef idx="0">
-            <a:schemeClr val="accent1"/>
-          </a:fillRef>
-          <a:effectRef idx="0">
-            <a:schemeClr val="accent1"/>
-          </a:effectRef>
-          <a:fontRef idx="minor">
-            <a:schemeClr val="tx1"/>
-          </a:fontRef>
-        </p:style>
-      </p:cxnSp>
-      <p:sp>
-        <p:nvSpPr>
-          <p:cNvPr id="16" name="Textfeld 15"/>
-          <p:cNvSpPr txBox="1"/>
-          <p:nvPr/>
-        </p:nvSpPr>
-        <p:spPr>
-          <a:xfrm>
-            <a:off x="8583237" y="3782588"/>
-            <a:ext cx="2311017" cy="369332"/>
-          </a:xfrm>
-          <a:prstGeom prst="rect">
-            <a:avLst/>
-          </a:prstGeom>
-          <a:noFill/>
-        </p:spPr>
-        <p:txBody>
-          <a:bodyPr wrap="none" rtlCol="0">
-            <a:spAutoFit/>
-          </a:bodyPr>
-          <a:lstStyle/>
-          <a:p>
-            <a:r>
-              <a:rPr lang="en-GB" dirty="0"/>
-              <a:t>Point Cloud Processing</a:t>
-            </a:r>
-          </a:p>
-        </p:txBody>
-      </p:sp>
-      <p:sp>
-        <p:nvSpPr>
-          <p:cNvPr id="17" name="Abgerundetes Rechteck 16"/>
+      <p:sp>
+        <p:nvSpPr>
+          <p:cNvPr id="13" name="Abgerundetes Rechteck 12"/>
           <p:cNvSpPr/>
           <p:nvPr/>
         </p:nvSpPr>
         <p:spPr>
           <a:xfrm>
-            <a:off x="9503185" y="6076274"/>
-            <a:ext cx="1690538" cy="391213"/>
-          </a:xfrm>
-          <a:prstGeom prst="roundRect">
-            <a:avLst/>
-          </a:prstGeom>
-        </p:spPr>
-        <p:style>
-          <a:lnRef idx="2">
-            <a:schemeClr val="accent1">
-              <a:shade val="50000"/>
-            </a:schemeClr>
-          </a:lnRef>
-          <a:fillRef idx="1">
-            <a:schemeClr val="accent1"/>
-          </a:fillRef>
-          <a:effectRef idx="0">
-            <a:schemeClr val="accent1"/>
-          </a:effectRef>
-          <a:fontRef idx="minor">
-            <a:schemeClr val="lt1"/>
-          </a:fontRef>
-        </p:style>
-        <p:txBody>
-          <a:bodyPr rtlCol="0" anchor="ctr"/>
-          <a:lstStyle/>
-          <a:p>
-            <a:pPr algn="ctr"/>
-            <a:r>
-              <a:rPr lang="en-GB" dirty="0"/>
-              <a:t>Cloud Compare</a:t>
-            </a:r>
-          </a:p>
-        </p:txBody>
-      </p:sp>
-      <p:sp>
-        <p:nvSpPr>
-          <p:cNvPr id="18" name="Abgerundetes Rechteck 17"/>
-          <p:cNvSpPr/>
-          <p:nvPr/>
-        </p:nvSpPr>
-        <p:spPr>
-          <a:xfrm>
-            <a:off x="9503185" y="5572081"/>
-            <a:ext cx="1690538" cy="391213"/>
-          </a:xfrm>
-          <a:prstGeom prst="roundRect">
-            <a:avLst/>
-          </a:prstGeom>
-        </p:spPr>
-        <p:style>
-          <a:lnRef idx="2">
-            <a:schemeClr val="accent1">
-              <a:shade val="50000"/>
-            </a:schemeClr>
-          </a:lnRef>
-          <a:fillRef idx="1">
-            <a:schemeClr val="accent1"/>
-          </a:fillRef>
-          <a:effectRef idx="0">
-            <a:schemeClr val="accent1"/>
-          </a:effectRef>
-          <a:fontRef idx="minor">
-            <a:schemeClr val="lt1"/>
-          </a:fontRef>
-        </p:style>
-        <p:txBody>
-          <a:bodyPr rtlCol="0" anchor="ctr"/>
-          <a:lstStyle/>
-          <a:p>
-            <a:pPr algn="ctr"/>
-            <a:r>
-              <a:rPr lang="en-GB" dirty="0"/>
-              <a:t>Eigen</a:t>
-            </a:r>
-          </a:p>
-        </p:txBody>
-      </p:sp>
-      <p:sp>
-        <p:nvSpPr>
-          <p:cNvPr id="19" name="Abgerundetes Rechteck 18"/>
-          <p:cNvSpPr/>
-          <p:nvPr/>
-        </p:nvSpPr>
-        <p:spPr>
-          <a:xfrm>
-            <a:off x="9503185" y="5069801"/>
-            <a:ext cx="1690538" cy="391213"/>
-          </a:xfrm>
-          <a:prstGeom prst="roundRect">
-            <a:avLst/>
-          </a:prstGeom>
-        </p:spPr>
-        <p:style>
-          <a:lnRef idx="2">
-            <a:schemeClr val="accent1">
-              <a:shade val="50000"/>
-            </a:schemeClr>
-          </a:lnRef>
-          <a:fillRef idx="1">
-            <a:schemeClr val="accent1"/>
-          </a:fillRef>
-          <a:effectRef idx="0">
-            <a:schemeClr val="accent1"/>
-          </a:effectRef>
-          <a:fontRef idx="minor">
-            <a:schemeClr val="lt1"/>
-          </a:fontRef>
-        </p:style>
-        <p:txBody>
-          <a:bodyPr rtlCol="0" anchor="ctr"/>
-          <a:lstStyle/>
-          <a:p>
-            <a:pPr algn="ctr"/>
-            <a:r>
-              <a:rPr lang="en-GB" dirty="0" err="1"/>
-              <a:t>Liblas</a:t>
-            </a:r>
-            <a:endParaRPr lang="en-GB" dirty="0"/>
-          </a:p>
-        </p:txBody>
-      </p:sp>
-      <p:sp>
-        <p:nvSpPr>
-          <p:cNvPr id="20" name="Abgerundetes Rechteck 19"/>
-          <p:cNvSpPr/>
-          <p:nvPr/>
-        </p:nvSpPr>
-        <p:spPr>
-          <a:xfrm>
-            <a:off x="9503185" y="4572417"/>
-            <a:ext cx="1690538" cy="391213"/>
-          </a:xfrm>
-          <a:prstGeom prst="roundRect">
-            <a:avLst/>
-          </a:prstGeom>
-        </p:spPr>
-        <p:style>
-          <a:lnRef idx="2">
-            <a:schemeClr val="accent1">
-              <a:shade val="50000"/>
-            </a:schemeClr>
-          </a:lnRef>
-          <a:fillRef idx="1">
-            <a:schemeClr val="accent1"/>
-          </a:fillRef>
-          <a:effectRef idx="0">
-            <a:schemeClr val="accent1"/>
-          </a:effectRef>
-          <a:fontRef idx="minor">
-            <a:schemeClr val="lt1"/>
-          </a:fontRef>
-        </p:style>
-        <p:txBody>
-          <a:bodyPr rtlCol="0" anchor="ctr"/>
-          <a:lstStyle/>
-          <a:p>
-            <a:pPr algn="ctr"/>
-            <a:r>
-              <a:rPr lang="en-GB" dirty="0"/>
-              <a:t>Qt5</a:t>
-            </a:r>
-          </a:p>
-        </p:txBody>
-      </p:sp>
-      <p:sp>
-        <p:nvSpPr>
-          <p:cNvPr id="21" name="Abgerundetes Rechteck 20"/>
-          <p:cNvSpPr/>
-          <p:nvPr/>
-        </p:nvSpPr>
-        <p:spPr>
-          <a:xfrm>
-            <a:off x="6283229" y="3850697"/>
-            <a:ext cx="1690538" cy="391213"/>
-          </a:xfrm>
-          <a:prstGeom prst="roundRect">
-            <a:avLst/>
-          </a:prstGeom>
-        </p:spPr>
-        <p:style>
-          <a:lnRef idx="2">
-            <a:schemeClr val="accent1">
-              <a:shade val="50000"/>
-            </a:schemeClr>
-          </a:lnRef>
-          <a:fillRef idx="1">
-            <a:schemeClr val="accent1"/>
-          </a:fillRef>
-          <a:effectRef idx="0">
-            <a:schemeClr val="accent1"/>
-          </a:effectRef>
-          <a:fontRef idx="minor">
-            <a:schemeClr val="lt1"/>
-          </a:fontRef>
-        </p:style>
-        <p:txBody>
-          <a:bodyPr rtlCol="0" anchor="ctr"/>
-          <a:lstStyle/>
-          <a:p>
-            <a:pPr algn="ctr"/>
-            <a:r>
-              <a:rPr lang="en-GB" dirty="0"/>
-              <a:t>Eigen</a:t>
-            </a:r>
-          </a:p>
-        </p:txBody>
-      </p:sp>
-      <p:sp>
-        <p:nvSpPr>
-          <p:cNvPr id="22" name="Abgerundetes Rechteck 21"/>
-          <p:cNvSpPr/>
-          <p:nvPr/>
-        </p:nvSpPr>
-        <p:spPr>
-          <a:xfrm>
-            <a:off x="6283229" y="4346569"/>
-            <a:ext cx="1690538" cy="391213"/>
-          </a:xfrm>
-          <a:prstGeom prst="roundRect">
-            <a:avLst/>
-          </a:prstGeom>
-        </p:spPr>
-        <p:style>
-          <a:lnRef idx="2">
-            <a:schemeClr val="accent1">
-              <a:shade val="50000"/>
-            </a:schemeClr>
-          </a:lnRef>
-          <a:fillRef idx="1">
-            <a:schemeClr val="accent1"/>
-          </a:fillRef>
-          <a:effectRef idx="0">
-            <a:schemeClr val="accent1"/>
-          </a:effectRef>
-          <a:fontRef idx="minor">
-            <a:schemeClr val="lt1"/>
-          </a:fontRef>
-        </p:style>
-        <p:txBody>
-          <a:bodyPr rtlCol="0" anchor="ctr"/>
-          <a:lstStyle/>
-          <a:p>
-            <a:pPr algn="ctr"/>
-            <a:r>
-              <a:rPr lang="en-GB" dirty="0"/>
-              <a:t>Qt5</a:t>
-            </a:r>
-          </a:p>
-        </p:txBody>
-      </p:sp>
-      <p:sp>
-        <p:nvSpPr>
-          <p:cNvPr id="23" name="Abgerundetes Rechteck 22"/>
-          <p:cNvSpPr/>
-          <p:nvPr/>
-        </p:nvSpPr>
-        <p:spPr>
-          <a:xfrm>
-            <a:off x="3418289" y="5944017"/>
-            <a:ext cx="2062587" cy="391213"/>
-          </a:xfrm>
-          <a:prstGeom prst="roundRect">
-            <a:avLst/>
-          </a:prstGeom>
-        </p:spPr>
-        <p:style>
-          <a:lnRef idx="2">
-            <a:schemeClr val="accent1">
-              <a:shade val="50000"/>
-            </a:schemeClr>
-          </a:lnRef>
-          <a:fillRef idx="1">
-            <a:schemeClr val="accent1"/>
-          </a:fillRef>
-          <a:effectRef idx="0">
-            <a:schemeClr val="accent1"/>
-          </a:effectRef>
-          <a:fontRef idx="minor">
-            <a:schemeClr val="lt1"/>
-          </a:fontRef>
-        </p:style>
-        <p:txBody>
-          <a:bodyPr rtlCol="0" anchor="ctr"/>
-          <a:lstStyle/>
-          <a:p>
-            <a:pPr algn="ctr"/>
-            <a:r>
-              <a:rPr lang="en-GB" dirty="0"/>
-              <a:t>Express Binding Lib</a:t>
-            </a:r>
-          </a:p>
-        </p:txBody>
-      </p:sp>
-      <p:sp>
-        <p:nvSpPr>
-          <p:cNvPr id="24" name="Abgerundetes Rechteck 23"/>
-          <p:cNvSpPr/>
-          <p:nvPr/>
-        </p:nvSpPr>
-        <p:spPr>
-          <a:xfrm>
-            <a:off x="3143970" y="2843102"/>
-            <a:ext cx="8352149" cy="547338"/>
+            <a:off x="3332503" y="4963632"/>
+            <a:ext cx="2234152" cy="1517715"/>
           </a:xfrm>
           <a:prstGeom prst="roundRect">
             <a:avLst>
-              <a:gd name="adj" fmla="val 5379"/>
+              <a:gd name="adj" fmla="val 1198"/>
             </a:avLst>
           </a:prstGeom>
           <a:solidFill>
-            <a:schemeClr val="bg1">
-              <a:lumMod val="95000"/>
-            </a:schemeClr>
-          </a:solidFill>
-          <a:ln w="19050"/>
-        </p:spPr>
-        <p:style>
-          <a:lnRef idx="2">
-            <a:schemeClr val="accent1">
-              <a:shade val="50000"/>
-            </a:schemeClr>
-          </a:lnRef>
-          <a:fillRef idx="1">
-            <a:schemeClr val="accent1"/>
-          </a:fillRef>
-          <a:effectRef idx="0">
-            <a:schemeClr val="accent1"/>
-          </a:effectRef>
-          <a:fontRef idx="minor">
-            <a:schemeClr val="lt1"/>
-          </a:fontRef>
-        </p:style>
-        <p:txBody>
-          <a:bodyPr rtlCol="0" anchor="ctr"/>
-          <a:lstStyle/>
-          <a:p>
-            <a:pPr algn="ctr"/>
-            <a:endParaRPr lang="en-GB"/>
-          </a:p>
-        </p:txBody>
-      </p:sp>
-      <p:sp>
-        <p:nvSpPr>
-          <p:cNvPr id="25" name="Textfeld 24"/>
-          <p:cNvSpPr txBox="1"/>
-          <p:nvPr/>
-        </p:nvSpPr>
-        <p:spPr>
-          <a:xfrm>
-            <a:off x="3558750" y="2927185"/>
-            <a:ext cx="1144031" cy="369332"/>
-          </a:xfrm>
-          <a:prstGeom prst="rect">
-            <a:avLst/>
-          </a:prstGeom>
-          <a:noFill/>
-        </p:spPr>
-        <p:txBody>
-          <a:bodyPr wrap="none" rtlCol="0">
-            <a:spAutoFit/>
-          </a:bodyPr>
-          <a:lstStyle/>
-          <a:p>
-            <a:r>
-              <a:rPr lang="en-GB" dirty="0"/>
-              <a:t>Rendering</a:t>
-            </a:r>
-          </a:p>
-        </p:txBody>
-      </p:sp>
-      <p:sp>
-        <p:nvSpPr>
-          <p:cNvPr id="26" name="Textfeld 25"/>
-          <p:cNvSpPr txBox="1"/>
-          <p:nvPr/>
-        </p:nvSpPr>
-        <p:spPr>
-          <a:xfrm>
-            <a:off x="3418289" y="5073211"/>
-            <a:ext cx="1466555" cy="646331"/>
-          </a:xfrm>
-          <a:prstGeom prst="rect">
-            <a:avLst/>
-          </a:prstGeom>
-          <a:noFill/>
-        </p:spPr>
-        <p:txBody>
-          <a:bodyPr wrap="none" rtlCol="0">
-            <a:spAutoFit/>
-          </a:bodyPr>
-          <a:lstStyle/>
-          <a:p>
-            <a:r>
-              <a:rPr lang="en-GB" dirty="0"/>
-              <a:t>IFC Geometry</a:t>
-            </a:r>
-          </a:p>
-          <a:p>
-            <a:r>
-              <a:rPr lang="en-GB" dirty="0"/>
-              <a:t>Converter</a:t>
-            </a:r>
-          </a:p>
-        </p:txBody>
-      </p:sp>
-      <p:sp>
-        <p:nvSpPr>
-          <p:cNvPr id="27" name="Textfeld 26"/>
-          <p:cNvSpPr txBox="1"/>
-          <p:nvPr/>
-        </p:nvSpPr>
-        <p:spPr>
-          <a:xfrm>
-            <a:off x="5853489" y="5073208"/>
-            <a:ext cx="601447" cy="369332"/>
-          </a:xfrm>
-          <a:prstGeom prst="rect">
-            <a:avLst/>
-          </a:prstGeom>
-          <a:noFill/>
-        </p:spPr>
-        <p:txBody>
-          <a:bodyPr wrap="none" rtlCol="0">
-            <a:spAutoFit/>
-          </a:bodyPr>
-          <a:lstStyle/>
-          <a:p>
-            <a:r>
-              <a:rPr lang="en-GB" dirty="0"/>
-              <a:t>OFF </a:t>
-            </a:r>
-          </a:p>
-        </p:txBody>
-      </p:sp>
-      <p:sp>
-        <p:nvSpPr>
-          <p:cNvPr id="28" name="Abgerundetes Rechteck 27"/>
-          <p:cNvSpPr/>
-          <p:nvPr/>
-        </p:nvSpPr>
-        <p:spPr>
-          <a:xfrm>
-            <a:off x="3143966" y="556054"/>
-            <a:ext cx="2806823" cy="2148000"/>
-          </a:xfrm>
-          <a:prstGeom prst="roundRect">
-            <a:avLst>
-              <a:gd name="adj" fmla="val 1135"/>
-            </a:avLst>
-          </a:prstGeom>
-          <a:solidFill>
-            <a:schemeClr val="bg1">
-              <a:lumMod val="95000"/>
-            </a:schemeClr>
-          </a:solidFill>
-          <a:ln w="19050"/>
-        </p:spPr>
-        <p:style>
-          <a:lnRef idx="2">
-            <a:schemeClr val="accent1">
-              <a:shade val="50000"/>
-            </a:schemeClr>
-          </a:lnRef>
-          <a:fillRef idx="1">
-            <a:schemeClr val="accent1"/>
-          </a:fillRef>
-          <a:effectRef idx="0">
-            <a:schemeClr val="accent1"/>
-          </a:effectRef>
-          <a:fontRef idx="minor">
-            <a:schemeClr val="lt1"/>
-          </a:fontRef>
-        </p:style>
-        <p:txBody>
-          <a:bodyPr rtlCol="0" anchor="ctr"/>
-          <a:lstStyle/>
-          <a:p>
-            <a:pPr algn="ctr"/>
-            <a:endParaRPr lang="en-GB"/>
-          </a:p>
-        </p:txBody>
-      </p:sp>
-      <p:sp>
-        <p:nvSpPr>
-          <p:cNvPr id="29" name="Textfeld 28"/>
-          <p:cNvSpPr txBox="1"/>
-          <p:nvPr/>
-        </p:nvSpPr>
-        <p:spPr>
-          <a:xfrm>
-            <a:off x="3397734" y="698921"/>
-            <a:ext cx="535724" cy="369332"/>
-          </a:xfrm>
-          <a:prstGeom prst="rect">
-            <a:avLst/>
-          </a:prstGeom>
-          <a:noFill/>
-        </p:spPr>
-        <p:txBody>
-          <a:bodyPr wrap="none" rtlCol="0">
-            <a:spAutoFit/>
-          </a:bodyPr>
-          <a:lstStyle/>
-          <a:p>
-            <a:r>
-              <a:rPr lang="en-GB" dirty="0"/>
-              <a:t>GUI</a:t>
-            </a:r>
-          </a:p>
-        </p:txBody>
-      </p:sp>
-      <p:sp>
-        <p:nvSpPr>
-          <p:cNvPr id="31" name="Abgerundetes Rechteck 30"/>
-          <p:cNvSpPr/>
-          <p:nvPr/>
-        </p:nvSpPr>
-        <p:spPr>
-          <a:xfrm>
-            <a:off x="6283228" y="1530453"/>
-            <a:ext cx="4984791" cy="1076858"/>
-          </a:xfrm>
-          <a:prstGeom prst="roundRect">
-            <a:avLst>
-              <a:gd name="adj" fmla="val 2897"/>
-            </a:avLst>
-          </a:prstGeom>
-          <a:solidFill>
-            <a:schemeClr val="accent1">
-              <a:lumMod val="20000"/>
-              <a:lumOff val="80000"/>
-            </a:schemeClr>
+            <a:srgbClr val="ED7D31"/>
           </a:solidFill>
           <a:ln w="19050">
             <a:solidFill>
@@ -5770,56 +5458,23 @@
       </p:sp>
       <p:sp>
         <p:nvSpPr>
-          <p:cNvPr id="32" name="Textfeld 31"/>
-          <p:cNvSpPr txBox="1"/>
-          <p:nvPr/>
-        </p:nvSpPr>
-        <p:spPr>
-          <a:xfrm>
-            <a:off x="6327968" y="1580226"/>
-            <a:ext cx="2711896" cy="646331"/>
-          </a:xfrm>
-          <a:prstGeom prst="rect">
-            <a:avLst/>
-          </a:prstGeom>
-          <a:noFill/>
-        </p:spPr>
-        <p:txBody>
-          <a:bodyPr wrap="none" rtlCol="0">
-            <a:spAutoFit/>
-          </a:bodyPr>
-          <a:lstStyle/>
-          <a:p>
-            <a:r>
-              <a:rPr lang="en-GB" dirty="0"/>
-              <a:t>Unit Test Base</a:t>
-            </a:r>
-          </a:p>
-          <a:p>
-            <a:r>
-              <a:rPr lang="en-GB" dirty="0"/>
-              <a:t>Geometry Model Renderer</a:t>
-            </a:r>
-          </a:p>
-        </p:txBody>
-      </p:sp>
-      <p:sp>
-        <p:nvSpPr>
-          <p:cNvPr id="33" name="Abgerundetes Rechteck 32"/>
+          <p:cNvPr id="14" name="Abgerundetes Rechteck 13"/>
           <p:cNvSpPr/>
           <p:nvPr/>
         </p:nvSpPr>
         <p:spPr>
           <a:xfrm>
-            <a:off x="6278522" y="664132"/>
-            <a:ext cx="776164" cy="733943"/>
+            <a:off x="5750478" y="4963628"/>
+            <a:ext cx="2234152" cy="1517714"/>
           </a:xfrm>
           <a:prstGeom prst="roundRect">
             <a:avLst>
-              <a:gd name="adj" fmla="val 1514"/>
+              <a:gd name="adj" fmla="val 2012"/>
             </a:avLst>
           </a:prstGeom>
-          <a:noFill/>
+          <a:solidFill>
+            <a:srgbClr val="ED7D31"/>
+          </a:solidFill>
           <a:ln w="19050">
             <a:solidFill>
               <a:schemeClr val="accent1">
@@ -5853,23 +5508,20 @@
           </a:p>
         </p:txBody>
       </p:sp>
-      <p:sp>
-        <p:nvSpPr>
-          <p:cNvPr id="36" name="Abgerundetes Rechteck 35"/>
-          <p:cNvSpPr/>
-          <p:nvPr/>
-        </p:nvSpPr>
-        <p:spPr>
-          <a:xfrm>
-            <a:off x="9998297" y="664131"/>
-            <a:ext cx="1269721" cy="733943"/>
-          </a:xfrm>
-          <a:prstGeom prst="roundRect">
-            <a:avLst>
-              <a:gd name="adj" fmla="val 3198"/>
-            </a:avLst>
-          </a:prstGeom>
-          <a:noFill/>
+      <p:cxnSp>
+        <p:nvCxnSpPr>
+          <p:cNvPr id="15" name="Gerader Verbinder 14"/>
+          <p:cNvCxnSpPr/>
+          <p:nvPr/>
+        </p:nvCxnSpPr>
+        <p:spPr>
+          <a:xfrm flipH="1">
+            <a:off x="174526" y="3536645"/>
+            <a:ext cx="11764651" cy="4714"/>
+          </a:xfrm>
+          <a:prstGeom prst="line">
+            <a:avLst/>
+          </a:prstGeom>
           <a:ln w="19050">
             <a:solidFill>
               <a:schemeClr val="accent1">
@@ -5879,40 +5531,30 @@
           </a:ln>
         </p:spPr>
         <p:style>
-          <a:lnRef idx="2">
-            <a:schemeClr val="accent1">
-              <a:shade val="50000"/>
-            </a:schemeClr>
+          <a:lnRef idx="1">
+            <a:schemeClr val="accent1"/>
           </a:lnRef>
-          <a:fillRef idx="1">
+          <a:fillRef idx="0">
             <a:schemeClr val="accent1"/>
           </a:fillRef>
           <a:effectRef idx="0">
             <a:schemeClr val="accent1"/>
           </a:effectRef>
           <a:fontRef idx="minor">
-            <a:schemeClr val="lt1"/>
+            <a:schemeClr val="tx1"/>
           </a:fontRef>
         </p:style>
-        <p:txBody>
-          <a:bodyPr rtlCol="0" anchor="ctr"/>
-          <a:lstStyle/>
-          <a:p>
-            <a:pPr algn="ctr"/>
-            <a:endParaRPr lang="en-GB"/>
-          </a:p>
-        </p:txBody>
-      </p:sp>
-      <p:sp>
-        <p:nvSpPr>
-          <p:cNvPr id="37" name="Textfeld 36"/>
+      </p:cxnSp>
+      <p:sp>
+        <p:nvSpPr>
+          <p:cNvPr id="16" name="Textfeld 15"/>
           <p:cNvSpPr txBox="1"/>
           <p:nvPr/>
         </p:nvSpPr>
         <p:spPr>
           <a:xfrm>
-            <a:off x="6385918" y="846435"/>
-            <a:ext cx="561372" cy="369332"/>
+            <a:off x="8583237" y="3782588"/>
+            <a:ext cx="2311017" cy="369332"/>
           </a:xfrm>
           <a:prstGeom prst="rect">
             <a:avLst/>
@@ -5927,120 +5569,28 @@
           <a:p>
             <a:r>
               <a:rPr lang="en-GB" dirty="0"/>
-              <a:t>UT1</a:t>
-            </a:r>
-          </a:p>
-        </p:txBody>
-      </p:sp>
-      <p:sp>
-        <p:nvSpPr>
-          <p:cNvPr id="38" name="Textfeld 37"/>
-          <p:cNvSpPr txBox="1"/>
-          <p:nvPr/>
-        </p:nvSpPr>
-        <p:spPr>
-          <a:xfrm>
-            <a:off x="7318561" y="853407"/>
-            <a:ext cx="561372" cy="369332"/>
-          </a:xfrm>
-          <a:prstGeom prst="rect">
-            <a:avLst/>
-          </a:prstGeom>
-          <a:noFill/>
-        </p:spPr>
-        <p:txBody>
-          <a:bodyPr wrap="none" rtlCol="0">
-            <a:spAutoFit/>
-          </a:bodyPr>
-          <a:lstStyle/>
-          <a:p>
-            <a:r>
-              <a:rPr lang="en-GB" dirty="0"/>
-              <a:t>UT2</a:t>
-            </a:r>
-          </a:p>
-        </p:txBody>
-      </p:sp>
-      <p:sp>
-        <p:nvSpPr>
-          <p:cNvPr id="39" name="Textfeld 38"/>
-          <p:cNvSpPr txBox="1"/>
-          <p:nvPr/>
-        </p:nvSpPr>
-        <p:spPr>
-          <a:xfrm>
-            <a:off x="9279357" y="847511"/>
-            <a:ext cx="343364" cy="369332"/>
-          </a:xfrm>
-          <a:prstGeom prst="rect">
-            <a:avLst/>
-          </a:prstGeom>
-          <a:noFill/>
-        </p:spPr>
-        <p:txBody>
-          <a:bodyPr wrap="none" rtlCol="0">
-            <a:spAutoFit/>
-          </a:bodyPr>
-          <a:lstStyle/>
-          <a:p>
-            <a:r>
-              <a:rPr lang="en-GB" dirty="0"/>
-              <a:t>…</a:t>
-            </a:r>
-          </a:p>
-        </p:txBody>
-      </p:sp>
-      <p:sp>
-        <p:nvSpPr>
-          <p:cNvPr id="40" name="Textfeld 39"/>
-          <p:cNvSpPr txBox="1"/>
-          <p:nvPr/>
-        </p:nvSpPr>
-        <p:spPr>
-          <a:xfrm>
-            <a:off x="10018950" y="707936"/>
-            <a:ext cx="1228413" cy="646331"/>
-          </a:xfrm>
-          <a:prstGeom prst="rect">
-            <a:avLst/>
-          </a:prstGeom>
-          <a:noFill/>
-        </p:spPr>
-        <p:txBody>
-          <a:bodyPr wrap="none" rtlCol="0">
-            <a:spAutoFit/>
-          </a:bodyPr>
-          <a:lstStyle/>
-          <a:p>
-            <a:pPr algn="ctr"/>
-            <a:r>
-              <a:rPr lang="en-GB" dirty="0"/>
-              <a:t>Screenshot</a:t>
-            </a:r>
-          </a:p>
-          <a:p>
-            <a:pPr algn="ctr"/>
-            <a:r>
-              <a:rPr lang="en-GB" dirty="0"/>
-              <a:t>Maker</a:t>
-            </a:r>
-          </a:p>
-        </p:txBody>
-      </p:sp>
-      <p:sp>
-        <p:nvSpPr>
-          <p:cNvPr id="41" name="Abgerundetes Rechteck 40"/>
+              <a:t>Point Cloud Processing</a:t>
+            </a:r>
+          </a:p>
+        </p:txBody>
+      </p:sp>
+      <p:sp>
+        <p:nvSpPr>
+          <p:cNvPr id="17" name="Abgerundetes Rechteck 16"/>
           <p:cNvSpPr/>
           <p:nvPr/>
         </p:nvSpPr>
         <p:spPr>
           <a:xfrm>
-            <a:off x="5938432" y="6970046"/>
+            <a:off x="9503185" y="6076274"/>
             <a:ext cx="1690538" cy="391213"/>
           </a:xfrm>
           <a:prstGeom prst="roundRect">
             <a:avLst/>
           </a:prstGeom>
+          <a:solidFill>
+            <a:srgbClr val="4472C4"/>
+          </a:solidFill>
         </p:spPr>
         <p:style>
           <a:lnRef idx="2">
@@ -6065,25 +5615,28 @@
             <a:pPr algn="ctr"/>
             <a:r>
               <a:rPr lang="en-GB" dirty="0"/>
-              <a:t>Boost</a:t>
-            </a:r>
-          </a:p>
-        </p:txBody>
-      </p:sp>
-      <p:sp>
-        <p:nvSpPr>
-          <p:cNvPr id="42" name="Abgerundetes Rechteck 41"/>
+              <a:t>Cloud Compare</a:t>
+            </a:r>
+          </a:p>
+        </p:txBody>
+      </p:sp>
+      <p:sp>
+        <p:nvSpPr>
+          <p:cNvPr id="18" name="Abgerundetes Rechteck 17"/>
           <p:cNvSpPr/>
           <p:nvPr/>
         </p:nvSpPr>
         <p:spPr>
           <a:xfrm>
-            <a:off x="7717368" y="6974427"/>
+            <a:off x="9503185" y="5572081"/>
             <a:ext cx="1690538" cy="391213"/>
           </a:xfrm>
           <a:prstGeom prst="roundRect">
             <a:avLst/>
           </a:prstGeom>
+          <a:solidFill>
+            <a:srgbClr val="4472C4"/>
+          </a:solidFill>
         </p:spPr>
         <p:style>
           <a:lnRef idx="2">
@@ -6107,27 +5660,29 @@
           <a:p>
             <a:pPr algn="ctr"/>
             <a:r>
-              <a:rPr lang="en-GB" dirty="0" err="1"/>
-              <a:t>BlueFramework</a:t>
-            </a:r>
-            <a:endParaRPr lang="en-GB" dirty="0"/>
-          </a:p>
-        </p:txBody>
-      </p:sp>
-      <p:sp>
-        <p:nvSpPr>
-          <p:cNvPr id="43" name="Abgerundetes Rechteck 42"/>
+              <a:rPr lang="en-GB" dirty="0"/>
+              <a:t>Eigen</a:t>
+            </a:r>
+          </a:p>
+        </p:txBody>
+      </p:sp>
+      <p:sp>
+        <p:nvSpPr>
+          <p:cNvPr id="19" name="Abgerundetes Rechteck 18"/>
           <p:cNvSpPr/>
           <p:nvPr/>
         </p:nvSpPr>
         <p:spPr>
           <a:xfrm>
-            <a:off x="5950789" y="7454991"/>
+            <a:off x="9503185" y="5069801"/>
             <a:ext cx="1690538" cy="391213"/>
           </a:xfrm>
           <a:prstGeom prst="roundRect">
             <a:avLst/>
           </a:prstGeom>
+          <a:solidFill>
+            <a:srgbClr val="4472C4"/>
+          </a:solidFill>
         </p:spPr>
         <p:style>
           <a:lnRef idx="2">
@@ -6152,7 +5707,7 @@
             <a:pPr algn="ctr"/>
             <a:r>
               <a:rPr lang="en-GB" dirty="0" err="1"/>
-              <a:t>Tclap</a:t>
+              <a:t>Liblas</a:t>
             </a:r>
             <a:endParaRPr lang="en-GB" dirty="0"/>
           </a:p>
@@ -6160,18 +5715,21 @@
       </p:sp>
       <p:sp>
         <p:nvSpPr>
-          <p:cNvPr id="44" name="Abgerundetes Rechteck 43"/>
+          <p:cNvPr id="20" name="Abgerundetes Rechteck 19"/>
           <p:cNvSpPr/>
           <p:nvPr/>
         </p:nvSpPr>
         <p:spPr>
           <a:xfrm>
-            <a:off x="4090333" y="1594802"/>
+            <a:off x="9503185" y="4572417"/>
             <a:ext cx="1690538" cy="391213"/>
           </a:xfrm>
           <a:prstGeom prst="roundRect">
             <a:avLst/>
           </a:prstGeom>
+          <a:solidFill>
+            <a:srgbClr val="4472C4"/>
+          </a:solidFill>
         </p:spPr>
         <p:style>
           <a:lnRef idx="2">
@@ -6195,27 +5753,29 @@
           <a:p>
             <a:pPr algn="ctr"/>
             <a:r>
-              <a:rPr lang="en-GB" dirty="0" err="1"/>
-              <a:t>Zlib</a:t>
-            </a:r>
-            <a:endParaRPr lang="en-GB" dirty="0"/>
-          </a:p>
-        </p:txBody>
-      </p:sp>
-      <p:sp>
-        <p:nvSpPr>
-          <p:cNvPr id="45" name="Abgerundetes Rechteck 44"/>
+              <a:rPr lang="en-GB" dirty="0"/>
+              <a:t>Qt5</a:t>
+            </a:r>
+          </a:p>
+        </p:txBody>
+      </p:sp>
+      <p:sp>
+        <p:nvSpPr>
+          <p:cNvPr id="21" name="Abgerundetes Rechteck 20"/>
           <p:cNvSpPr/>
           <p:nvPr/>
         </p:nvSpPr>
         <p:spPr>
           <a:xfrm>
-            <a:off x="4090333" y="2137862"/>
+            <a:off x="6283229" y="3850697"/>
             <a:ext cx="1690538" cy="391213"/>
           </a:xfrm>
           <a:prstGeom prst="roundRect">
             <a:avLst/>
           </a:prstGeom>
+          <a:solidFill>
+            <a:srgbClr val="4472C4"/>
+          </a:solidFill>
         </p:spPr>
         <p:style>
           <a:lnRef idx="2">
@@ -6239,27 +5799,29 @@
           <a:p>
             <a:pPr algn="ctr"/>
             <a:r>
-              <a:rPr lang="en-GB" dirty="0" err="1"/>
-              <a:t>Proj</a:t>
-            </a:r>
-            <a:endParaRPr lang="en-GB" dirty="0"/>
-          </a:p>
-        </p:txBody>
-      </p:sp>
-      <p:sp>
-        <p:nvSpPr>
-          <p:cNvPr id="46" name="Abgerundetes Rechteck 45"/>
+              <a:rPr lang="en-GB" dirty="0"/>
+              <a:t>Eigen</a:t>
+            </a:r>
+          </a:p>
+        </p:txBody>
+      </p:sp>
+      <p:sp>
+        <p:nvSpPr>
+          <p:cNvPr id="22" name="Abgerundetes Rechteck 21"/>
           <p:cNvSpPr/>
           <p:nvPr/>
         </p:nvSpPr>
         <p:spPr>
           <a:xfrm>
-            <a:off x="9451039" y="2078955"/>
+            <a:off x="6283229" y="4346569"/>
             <a:ext cx="1690538" cy="391213"/>
           </a:xfrm>
           <a:prstGeom prst="roundRect">
             <a:avLst/>
           </a:prstGeom>
+          <a:solidFill>
+            <a:srgbClr val="4472C4"/>
+          </a:solidFill>
         </p:spPr>
         <p:style>
           <a:lnRef idx="2">
@@ -6284,25 +5846,28 @@
             <a:pPr algn="ctr"/>
             <a:r>
               <a:rPr lang="en-GB" dirty="0"/>
-              <a:t>Google Test</a:t>
-            </a:r>
-          </a:p>
-        </p:txBody>
-      </p:sp>
-      <p:sp>
-        <p:nvSpPr>
-          <p:cNvPr id="47" name="Abgerundetes Rechteck 46"/>
+              <a:t>Qt5</a:t>
+            </a:r>
+          </a:p>
+        </p:txBody>
+      </p:sp>
+      <p:sp>
+        <p:nvSpPr>
+          <p:cNvPr id="23" name="Abgerundetes Rechteck 22"/>
           <p:cNvSpPr/>
           <p:nvPr/>
         </p:nvSpPr>
         <p:spPr>
           <a:xfrm>
-            <a:off x="9503185" y="6970047"/>
-            <a:ext cx="1690538" cy="391213"/>
+            <a:off x="3418289" y="5944017"/>
+            <a:ext cx="2062587" cy="391213"/>
           </a:xfrm>
           <a:prstGeom prst="roundRect">
             <a:avLst/>
           </a:prstGeom>
+          <a:solidFill>
+            <a:srgbClr val="4472C4"/>
+          </a:solidFill>
         </p:spPr>
         <p:style>
           <a:lnRef idx="2">
@@ -6326,22 +5891,73 @@
           <a:p>
             <a:pPr algn="ctr"/>
             <a:r>
-              <a:rPr lang="en-GB" dirty="0"/>
-              <a:t>Carve</a:t>
-            </a:r>
-          </a:p>
-        </p:txBody>
-      </p:sp>
-      <p:sp>
-        <p:nvSpPr>
-          <p:cNvPr id="48" name="Textfeld 47"/>
+              <a:rPr lang="en-GB" sz="1400" dirty="0"/>
+              <a:t>Express Binding </a:t>
+            </a:r>
+            <a:r>
+              <a:rPr lang="en-GB" sz="1400" dirty="0" smtClean="0"/>
+              <a:t>Libraries</a:t>
+            </a:r>
+            <a:endParaRPr lang="en-GB" sz="1400" dirty="0"/>
+          </a:p>
+        </p:txBody>
+      </p:sp>
+      <p:sp>
+        <p:nvSpPr>
+          <p:cNvPr id="24" name="Abgerundetes Rechteck 23"/>
+          <p:cNvSpPr/>
+          <p:nvPr/>
+        </p:nvSpPr>
+        <p:spPr>
+          <a:xfrm>
+            <a:off x="3143970" y="2843102"/>
+            <a:ext cx="8352149" cy="547338"/>
+          </a:xfrm>
+          <a:prstGeom prst="roundRect">
+            <a:avLst>
+              <a:gd name="adj" fmla="val 5379"/>
+            </a:avLst>
+          </a:prstGeom>
+          <a:solidFill>
+            <a:srgbClr val="ED7D31"/>
+          </a:solidFill>
+          <a:ln w="19050"/>
+        </p:spPr>
+        <p:style>
+          <a:lnRef idx="2">
+            <a:schemeClr val="accent1">
+              <a:shade val="50000"/>
+            </a:schemeClr>
+          </a:lnRef>
+          <a:fillRef idx="1">
+            <a:schemeClr val="accent1"/>
+          </a:fillRef>
+          <a:effectRef idx="0">
+            <a:schemeClr val="accent1"/>
+          </a:effectRef>
+          <a:fontRef idx="minor">
+            <a:schemeClr val="lt1"/>
+          </a:fontRef>
+        </p:style>
+        <p:txBody>
+          <a:bodyPr rtlCol="0" anchor="ctr"/>
+          <a:lstStyle/>
+          <a:p>
+            <a:pPr algn="ctr"/>
+            <a:endParaRPr lang="en-GB"/>
+          </a:p>
+        </p:txBody>
+      </p:sp>
+      <p:sp>
+        <p:nvSpPr>
+          <p:cNvPr id="25" name="Textfeld 24"/>
           <p:cNvSpPr txBox="1"/>
           <p:nvPr/>
         </p:nvSpPr>
         <p:spPr>
           <a:xfrm>
-            <a:off x="1037013" y="4986386"/>
-            <a:ext cx="1005403" cy="369332"/>
+            <a:off x="3558750" y="2927185"/>
+            <a:ext cx="1144031" cy="369332"/>
           </a:xfrm>
           <a:prstGeom prst="rect">
             <a:avLst/>
@@ -6356,21 +5972,21 @@
           <a:p>
             <a:r>
               <a:rPr lang="en-GB" dirty="0"/>
-              <a:t>Modules</a:t>
-            </a:r>
-          </a:p>
-        </p:txBody>
-      </p:sp>
-      <p:sp>
-        <p:nvSpPr>
-          <p:cNvPr id="49" name="Textfeld 48"/>
+              <a:t>Rendering</a:t>
+            </a:r>
+          </a:p>
+        </p:txBody>
+      </p:sp>
+      <p:sp>
+        <p:nvSpPr>
+          <p:cNvPr id="26" name="Textfeld 25"/>
           <p:cNvSpPr txBox="1"/>
           <p:nvPr/>
         </p:nvSpPr>
         <p:spPr>
           <a:xfrm>
-            <a:off x="785886" y="1806019"/>
-            <a:ext cx="1507657" cy="369332"/>
+            <a:off x="3418289" y="5073211"/>
+            <a:ext cx="1466555" cy="646331"/>
           </a:xfrm>
           <a:prstGeom prst="rect">
             <a:avLst/>
@@ -6385,21 +6001,27 @@
           <a:p>
             <a:r>
               <a:rPr lang="en-GB" dirty="0"/>
-              <a:t>User Interface</a:t>
-            </a:r>
-          </a:p>
-        </p:txBody>
-      </p:sp>
-      <p:sp>
-        <p:nvSpPr>
-          <p:cNvPr id="50" name="Textfeld 49"/>
+              <a:t>IFC Geometry</a:t>
+            </a:r>
+          </a:p>
+          <a:p>
+            <a:r>
+              <a:rPr lang="en-GB" dirty="0"/>
+              <a:t>Converter</a:t>
+            </a:r>
+          </a:p>
+        </p:txBody>
+      </p:sp>
+      <p:sp>
+        <p:nvSpPr>
+          <p:cNvPr id="27" name="Textfeld 26"/>
           <p:cNvSpPr txBox="1"/>
           <p:nvPr/>
         </p:nvSpPr>
         <p:spPr>
           <a:xfrm>
-            <a:off x="891372" y="7215791"/>
-            <a:ext cx="1352743" cy="369332"/>
+            <a:off x="5853489" y="5073208"/>
+            <a:ext cx="601447" cy="369332"/>
           </a:xfrm>
           <a:prstGeom prst="rect">
             <a:avLst/>
@@ -6413,30 +6035,106 @@
           <a:lstStyle/>
           <a:p>
             <a:r>
-              <a:rPr lang="en-GB" dirty="0" smtClean="0"/>
-              <a:t>Fundaments</a:t>
-            </a:r>
-            <a:endParaRPr lang="en-GB" dirty="0"/>
-          </a:p>
-        </p:txBody>
-      </p:sp>
-      <p:sp>
-        <p:nvSpPr>
-          <p:cNvPr id="51" name="Abgerundetes Rechteck 50"/>
+              <a:rPr lang="en-GB" dirty="0"/>
+              <a:t>OFF </a:t>
+            </a:r>
+          </a:p>
+        </p:txBody>
+      </p:sp>
+      <p:sp>
+        <p:nvSpPr>
+          <p:cNvPr id="28" name="Abgerundetes Rechteck 27"/>
           <p:cNvSpPr/>
           <p:nvPr/>
         </p:nvSpPr>
         <p:spPr>
           <a:xfrm>
-            <a:off x="7208466" y="664132"/>
-            <a:ext cx="776164" cy="733943"/>
+            <a:off x="3143966" y="556054"/>
+            <a:ext cx="2050833" cy="2148000"/>
           </a:xfrm>
           <a:prstGeom prst="roundRect">
             <a:avLst>
-              <a:gd name="adj" fmla="val 1514"/>
+              <a:gd name="adj" fmla="val 1135"/>
             </a:avLst>
           </a:prstGeom>
+          <a:solidFill>
+            <a:srgbClr val="70AD47"/>
+          </a:solidFill>
+          <a:ln w="19050"/>
+        </p:spPr>
+        <p:style>
+          <a:lnRef idx="2">
+            <a:schemeClr val="accent1">
+              <a:shade val="50000"/>
+            </a:schemeClr>
+          </a:lnRef>
+          <a:fillRef idx="1">
+            <a:schemeClr val="accent1"/>
+          </a:fillRef>
+          <a:effectRef idx="0">
+            <a:schemeClr val="accent1"/>
+          </a:effectRef>
+          <a:fontRef idx="minor">
+            <a:schemeClr val="lt1"/>
+          </a:fontRef>
+        </p:style>
+        <p:txBody>
+          <a:bodyPr rtlCol="0" anchor="ctr"/>
+          <a:lstStyle/>
+          <a:p>
+            <a:pPr algn="ctr"/>
+            <a:endParaRPr lang="en-GB"/>
+          </a:p>
+        </p:txBody>
+      </p:sp>
+      <p:sp>
+        <p:nvSpPr>
+          <p:cNvPr id="29" name="Textfeld 28"/>
+          <p:cNvSpPr txBox="1"/>
+          <p:nvPr/>
+        </p:nvSpPr>
+        <p:spPr>
+          <a:xfrm>
+            <a:off x="3397734" y="698921"/>
+            <a:ext cx="535724" cy="369332"/>
+          </a:xfrm>
+          <a:prstGeom prst="rect">
+            <a:avLst/>
+          </a:prstGeom>
           <a:noFill/>
+        </p:spPr>
+        <p:txBody>
+          <a:bodyPr wrap="none" rtlCol="0">
+            <a:spAutoFit/>
+          </a:bodyPr>
+          <a:lstStyle/>
+          <a:p>
+            <a:r>
+              <a:rPr lang="en-GB" dirty="0"/>
+              <a:t>GUI</a:t>
+            </a:r>
+          </a:p>
+        </p:txBody>
+      </p:sp>
+      <p:sp>
+        <p:nvSpPr>
+          <p:cNvPr id="31" name="Abgerundetes Rechteck 30"/>
+          <p:cNvSpPr/>
+          <p:nvPr/>
+        </p:nvSpPr>
+        <p:spPr>
+          <a:xfrm>
+            <a:off x="5353345" y="2143034"/>
+            <a:ext cx="6126972" cy="559122"/>
+          </a:xfrm>
+          <a:prstGeom prst="roundRect">
+            <a:avLst>
+              <a:gd name="adj" fmla="val 2897"/>
+            </a:avLst>
+          </a:prstGeom>
+          <a:solidFill>
+            <a:srgbClr val="ED7D31"/>
+          </a:solidFill>
           <a:ln w="19050">
             <a:solidFill>
               <a:schemeClr val="accent1">
@@ -6466,19 +6164,53 @@
           <a:lstStyle/>
           <a:p>
             <a:pPr algn="ctr"/>
-            <a:endParaRPr lang="en-GB"/>
-          </a:p>
-        </p:txBody>
-      </p:sp>
-      <p:sp>
-        <p:nvSpPr>
-          <p:cNvPr id="52" name="Abgerundetes Rechteck 51"/>
+            <a:endParaRPr lang="en-GB" dirty="0"/>
+          </a:p>
+        </p:txBody>
+      </p:sp>
+      <p:sp>
+        <p:nvSpPr>
+          <p:cNvPr id="32" name="Textfeld 31"/>
+          <p:cNvSpPr txBox="1"/>
+          <p:nvPr/>
+        </p:nvSpPr>
+        <p:spPr>
+          <a:xfrm>
+            <a:off x="5635071" y="1534089"/>
+            <a:ext cx="1501693" cy="369332"/>
+          </a:xfrm>
+          <a:prstGeom prst="rect">
+            <a:avLst/>
+          </a:prstGeom>
+          <a:noFill/>
+        </p:spPr>
+        <p:txBody>
+          <a:bodyPr wrap="none" rtlCol="0">
+            <a:spAutoFit/>
+          </a:bodyPr>
+          <a:lstStyle/>
+          <a:p>
+            <a:r>
+              <a:rPr lang="en-GB" dirty="0"/>
+              <a:t>Unit Test </a:t>
+            </a:r>
+            <a:r>
+              <a:rPr lang="en-GB" dirty="0" smtClean="0"/>
+              <a:t>Base</a:t>
+            </a:r>
+            <a:endParaRPr lang="en-GB" dirty="0"/>
+          </a:p>
+        </p:txBody>
+      </p:sp>
+      <p:sp>
+        <p:nvSpPr>
+          <p:cNvPr id="33" name="Abgerundetes Rechteck 32"/>
           <p:cNvSpPr/>
           <p:nvPr/>
         </p:nvSpPr>
         <p:spPr>
           <a:xfrm>
-            <a:off x="8138410" y="665813"/>
+            <a:off x="5351445" y="556807"/>
             <a:ext cx="776164" cy="733943"/>
           </a:xfrm>
           <a:prstGeom prst="roundRect">
@@ -6486,7 +6218,9 @@
               <a:gd name="adj" fmla="val 1514"/>
             </a:avLst>
           </a:prstGeom>
-          <a:noFill/>
+          <a:solidFill>
+            <a:srgbClr val="70AD47"/>
+          </a:solidFill>
           <a:ln w="19050">
             <a:solidFill>
               <a:schemeClr val="accent1">
@@ -6522,21 +6256,23 @@
       </p:sp>
       <p:sp>
         <p:nvSpPr>
-          <p:cNvPr id="53" name="Abgerundetes Rechteck 52"/>
+          <p:cNvPr id="36" name="Abgerundetes Rechteck 35"/>
           <p:cNvSpPr/>
           <p:nvPr/>
         </p:nvSpPr>
         <p:spPr>
           <a:xfrm>
-            <a:off x="9062957" y="665142"/>
-            <a:ext cx="776164" cy="733943"/>
+            <a:off x="10430703" y="1422942"/>
+            <a:ext cx="1049614" cy="575374"/>
           </a:xfrm>
           <a:prstGeom prst="roundRect">
             <a:avLst>
-              <a:gd name="adj" fmla="val 1514"/>
+              <a:gd name="adj" fmla="val 3198"/>
             </a:avLst>
           </a:prstGeom>
-          <a:noFill/>
+          <a:solidFill>
+            <a:srgbClr val="70AD47"/>
+          </a:solidFill>
           <a:ln w="19050">
             <a:solidFill>
               <a:schemeClr val="accent1">
@@ -6572,13 +6308,13 @@
       </p:sp>
       <p:sp>
         <p:nvSpPr>
-          <p:cNvPr id="54" name="Textfeld 53"/>
+          <p:cNvPr id="37" name="Textfeld 36"/>
           <p:cNvSpPr txBox="1"/>
           <p:nvPr/>
         </p:nvSpPr>
         <p:spPr>
           <a:xfrm>
-            <a:off x="8240410" y="858897"/>
+            <a:off x="5458841" y="739110"/>
             <a:ext cx="561372" cy="369332"/>
           </a:xfrm>
           <a:prstGeom prst="rect">
@@ -6593,8 +6329,866 @@
           <a:lstStyle/>
           <a:p>
             <a:r>
+              <a:rPr lang="en-GB" dirty="0"/>
+              <a:t>UT1</a:t>
+            </a:r>
+          </a:p>
+        </p:txBody>
+      </p:sp>
+      <p:sp>
+        <p:nvSpPr>
+          <p:cNvPr id="38" name="Textfeld 37"/>
+          <p:cNvSpPr txBox="1"/>
+          <p:nvPr/>
+        </p:nvSpPr>
+        <p:spPr>
+          <a:xfrm>
+            <a:off x="6391484" y="746082"/>
+            <a:ext cx="561372" cy="369332"/>
+          </a:xfrm>
+          <a:prstGeom prst="rect">
+            <a:avLst/>
+          </a:prstGeom>
+          <a:noFill/>
+        </p:spPr>
+        <p:txBody>
+          <a:bodyPr wrap="none" rtlCol="0">
+            <a:spAutoFit/>
+          </a:bodyPr>
+          <a:lstStyle/>
+          <a:p>
+            <a:r>
+              <a:rPr lang="en-GB" dirty="0"/>
+              <a:t>UT2</a:t>
+            </a:r>
+          </a:p>
+        </p:txBody>
+      </p:sp>
+      <p:sp>
+        <p:nvSpPr>
+          <p:cNvPr id="39" name="Textfeld 38"/>
+          <p:cNvSpPr txBox="1"/>
+          <p:nvPr/>
+        </p:nvSpPr>
+        <p:spPr>
+          <a:xfrm>
+            <a:off x="8352280" y="740186"/>
+            <a:ext cx="343364" cy="369332"/>
+          </a:xfrm>
+          <a:prstGeom prst="rect">
+            <a:avLst/>
+          </a:prstGeom>
+          <a:noFill/>
+        </p:spPr>
+        <p:txBody>
+          <a:bodyPr wrap="none" rtlCol="0">
+            <a:spAutoFit/>
+          </a:bodyPr>
+          <a:lstStyle/>
+          <a:p>
+            <a:r>
+              <a:rPr lang="en-GB" dirty="0"/>
+              <a:t>…</a:t>
+            </a:r>
+          </a:p>
+        </p:txBody>
+      </p:sp>
+      <p:sp>
+        <p:nvSpPr>
+          <p:cNvPr id="40" name="Textfeld 39"/>
+          <p:cNvSpPr txBox="1"/>
+          <p:nvPr/>
+        </p:nvSpPr>
+        <p:spPr>
+          <a:xfrm>
+            <a:off x="10401844" y="1421199"/>
+            <a:ext cx="1113317" cy="584775"/>
+          </a:xfrm>
+          <a:prstGeom prst="rect">
+            <a:avLst/>
+          </a:prstGeom>
+          <a:noFill/>
+        </p:spPr>
+        <p:txBody>
+          <a:bodyPr wrap="none" rtlCol="0">
+            <a:spAutoFit/>
+          </a:bodyPr>
+          <a:lstStyle/>
+          <a:p>
+            <a:pPr algn="ctr"/>
+            <a:r>
+              <a:rPr lang="en-GB" sz="1600" dirty="0"/>
+              <a:t>Screenshot</a:t>
+            </a:r>
+          </a:p>
+          <a:p>
+            <a:pPr algn="ctr"/>
+            <a:r>
+              <a:rPr lang="en-GB" sz="1600" dirty="0"/>
+              <a:t>Maker</a:t>
+            </a:r>
+          </a:p>
+        </p:txBody>
+      </p:sp>
+      <p:sp>
+        <p:nvSpPr>
+          <p:cNvPr id="41" name="Abgerundetes Rechteck 40"/>
+          <p:cNvSpPr/>
+          <p:nvPr/>
+        </p:nvSpPr>
+        <p:spPr>
+          <a:xfrm>
+            <a:off x="5938432" y="6970046"/>
+            <a:ext cx="1690538" cy="391213"/>
+          </a:xfrm>
+          <a:prstGeom prst="roundRect">
+            <a:avLst/>
+          </a:prstGeom>
+          <a:solidFill>
+            <a:srgbClr val="4472C4"/>
+          </a:solidFill>
+        </p:spPr>
+        <p:style>
+          <a:lnRef idx="2">
+            <a:schemeClr val="accent1">
+              <a:shade val="50000"/>
+            </a:schemeClr>
+          </a:lnRef>
+          <a:fillRef idx="1">
+            <a:schemeClr val="accent1"/>
+          </a:fillRef>
+          <a:effectRef idx="0">
+            <a:schemeClr val="accent1"/>
+          </a:effectRef>
+          <a:fontRef idx="minor">
+            <a:schemeClr val="lt1"/>
+          </a:fontRef>
+        </p:style>
+        <p:txBody>
+          <a:bodyPr rtlCol="0" anchor="ctr"/>
+          <a:lstStyle/>
+          <a:p>
+            <a:pPr algn="ctr"/>
+            <a:r>
+              <a:rPr lang="en-GB" dirty="0"/>
+              <a:t>Boost</a:t>
+            </a:r>
+          </a:p>
+        </p:txBody>
+      </p:sp>
+      <p:sp>
+        <p:nvSpPr>
+          <p:cNvPr id="42" name="Abgerundetes Rechteck 41"/>
+          <p:cNvSpPr/>
+          <p:nvPr/>
+        </p:nvSpPr>
+        <p:spPr>
+          <a:xfrm>
+            <a:off x="7717368" y="6974427"/>
+            <a:ext cx="1690538" cy="391213"/>
+          </a:xfrm>
+          <a:prstGeom prst="roundRect">
+            <a:avLst/>
+          </a:prstGeom>
+          <a:solidFill>
+            <a:srgbClr val="4472C4"/>
+          </a:solidFill>
+        </p:spPr>
+        <p:style>
+          <a:lnRef idx="2">
+            <a:schemeClr val="accent1">
+              <a:shade val="50000"/>
+            </a:schemeClr>
+          </a:lnRef>
+          <a:fillRef idx="1">
+            <a:schemeClr val="accent1"/>
+          </a:fillRef>
+          <a:effectRef idx="0">
+            <a:schemeClr val="accent1"/>
+          </a:effectRef>
+          <a:fontRef idx="minor">
+            <a:schemeClr val="lt1"/>
+          </a:fontRef>
+        </p:style>
+        <p:txBody>
+          <a:bodyPr rtlCol="0" anchor="ctr"/>
+          <a:lstStyle/>
+          <a:p>
+            <a:pPr algn="ctr"/>
+            <a:r>
+              <a:rPr lang="en-GB" dirty="0" err="1"/>
+              <a:t>BlueFramework</a:t>
+            </a:r>
+            <a:endParaRPr lang="en-GB" dirty="0"/>
+          </a:p>
+        </p:txBody>
+      </p:sp>
+      <p:sp>
+        <p:nvSpPr>
+          <p:cNvPr id="43" name="Abgerundetes Rechteck 42"/>
+          <p:cNvSpPr/>
+          <p:nvPr/>
+        </p:nvSpPr>
+        <p:spPr>
+          <a:xfrm>
+            <a:off x="5950789" y="7454991"/>
+            <a:ext cx="1690538" cy="391213"/>
+          </a:xfrm>
+          <a:prstGeom prst="roundRect">
+            <a:avLst/>
+          </a:prstGeom>
+          <a:solidFill>
+            <a:srgbClr val="4472C4"/>
+          </a:solidFill>
+        </p:spPr>
+        <p:style>
+          <a:lnRef idx="2">
+            <a:schemeClr val="accent1">
+              <a:shade val="50000"/>
+            </a:schemeClr>
+          </a:lnRef>
+          <a:fillRef idx="1">
+            <a:schemeClr val="accent1"/>
+          </a:fillRef>
+          <a:effectRef idx="0">
+            <a:schemeClr val="accent1"/>
+          </a:effectRef>
+          <a:fontRef idx="minor">
+            <a:schemeClr val="lt1"/>
+          </a:fontRef>
+        </p:style>
+        <p:txBody>
+          <a:bodyPr rtlCol="0" anchor="ctr"/>
+          <a:lstStyle/>
+          <a:p>
+            <a:pPr algn="ctr"/>
+            <a:r>
+              <a:rPr lang="en-GB" dirty="0" err="1"/>
+              <a:t>Tclap</a:t>
+            </a:r>
+            <a:endParaRPr lang="en-GB" dirty="0"/>
+          </a:p>
+        </p:txBody>
+      </p:sp>
+      <p:sp>
+        <p:nvSpPr>
+          <p:cNvPr id="44" name="Abgerundetes Rechteck 43"/>
+          <p:cNvSpPr/>
+          <p:nvPr/>
+        </p:nvSpPr>
+        <p:spPr>
+          <a:xfrm>
+            <a:off x="3285496" y="2164196"/>
+            <a:ext cx="1690538" cy="391213"/>
+          </a:xfrm>
+          <a:prstGeom prst="roundRect">
+            <a:avLst/>
+          </a:prstGeom>
+          <a:solidFill>
+            <a:srgbClr val="4472C4"/>
+          </a:solidFill>
+        </p:spPr>
+        <p:style>
+          <a:lnRef idx="2">
+            <a:schemeClr val="accent1">
+              <a:shade val="50000"/>
+            </a:schemeClr>
+          </a:lnRef>
+          <a:fillRef idx="1">
+            <a:schemeClr val="accent1"/>
+          </a:fillRef>
+          <a:effectRef idx="0">
+            <a:schemeClr val="accent1"/>
+          </a:effectRef>
+          <a:fontRef idx="minor">
+            <a:schemeClr val="lt1"/>
+          </a:fontRef>
+        </p:style>
+        <p:txBody>
+          <a:bodyPr rtlCol="0" anchor="ctr"/>
+          <a:lstStyle/>
+          <a:p>
+            <a:pPr algn="ctr"/>
+            <a:r>
+              <a:rPr lang="en-GB" dirty="0" err="1"/>
+              <a:t>Zlib</a:t>
+            </a:r>
+            <a:endParaRPr lang="en-GB" dirty="0"/>
+          </a:p>
+        </p:txBody>
+      </p:sp>
+      <p:sp>
+        <p:nvSpPr>
+          <p:cNvPr id="46" name="Abgerundetes Rechteck 45"/>
+          <p:cNvSpPr/>
+          <p:nvPr/>
+        </p:nvSpPr>
+        <p:spPr>
+          <a:xfrm>
+            <a:off x="8344924" y="1508837"/>
+            <a:ext cx="1690538" cy="391213"/>
+          </a:xfrm>
+          <a:prstGeom prst="roundRect">
+            <a:avLst/>
+          </a:prstGeom>
+          <a:solidFill>
+            <a:srgbClr val="4472C4"/>
+          </a:solidFill>
+        </p:spPr>
+        <p:style>
+          <a:lnRef idx="2">
+            <a:schemeClr val="accent1">
+              <a:shade val="50000"/>
+            </a:schemeClr>
+          </a:lnRef>
+          <a:fillRef idx="1">
+            <a:schemeClr val="accent1"/>
+          </a:fillRef>
+          <a:effectRef idx="0">
+            <a:schemeClr val="accent1"/>
+          </a:effectRef>
+          <a:fontRef idx="minor">
+            <a:schemeClr val="lt1"/>
+          </a:fontRef>
+        </p:style>
+        <p:txBody>
+          <a:bodyPr rtlCol="0" anchor="ctr"/>
+          <a:lstStyle/>
+          <a:p>
+            <a:pPr algn="ctr"/>
+            <a:r>
+              <a:rPr lang="en-GB" dirty="0"/>
+              <a:t>Google Test</a:t>
+            </a:r>
+          </a:p>
+        </p:txBody>
+      </p:sp>
+      <p:sp>
+        <p:nvSpPr>
+          <p:cNvPr id="47" name="Abgerundetes Rechteck 46"/>
+          <p:cNvSpPr/>
+          <p:nvPr/>
+        </p:nvSpPr>
+        <p:spPr>
+          <a:xfrm>
+            <a:off x="9503185" y="6970047"/>
+            <a:ext cx="1690538" cy="391213"/>
+          </a:xfrm>
+          <a:prstGeom prst="roundRect">
+            <a:avLst/>
+          </a:prstGeom>
+          <a:solidFill>
+            <a:srgbClr val="4472C4"/>
+          </a:solidFill>
+        </p:spPr>
+        <p:style>
+          <a:lnRef idx="2">
+            <a:schemeClr val="accent1">
+              <a:shade val="50000"/>
+            </a:schemeClr>
+          </a:lnRef>
+          <a:fillRef idx="1">
+            <a:schemeClr val="accent1"/>
+          </a:fillRef>
+          <a:effectRef idx="0">
+            <a:schemeClr val="accent1"/>
+          </a:effectRef>
+          <a:fontRef idx="minor">
+            <a:schemeClr val="lt1"/>
+          </a:fontRef>
+        </p:style>
+        <p:txBody>
+          <a:bodyPr rtlCol="0" anchor="ctr"/>
+          <a:lstStyle/>
+          <a:p>
+            <a:pPr algn="ctr"/>
+            <a:r>
+              <a:rPr lang="en-GB" dirty="0"/>
+              <a:t>Carve</a:t>
+            </a:r>
+          </a:p>
+        </p:txBody>
+      </p:sp>
+      <p:sp>
+        <p:nvSpPr>
+          <p:cNvPr id="48" name="Textfeld 47"/>
+          <p:cNvSpPr txBox="1"/>
+          <p:nvPr/>
+        </p:nvSpPr>
+        <p:spPr>
+          <a:xfrm>
+            <a:off x="1037013" y="4986386"/>
+            <a:ext cx="1005403" cy="369332"/>
+          </a:xfrm>
+          <a:prstGeom prst="rect">
+            <a:avLst/>
+          </a:prstGeom>
+          <a:noFill/>
+        </p:spPr>
+        <p:txBody>
+          <a:bodyPr wrap="none" rtlCol="0">
+            <a:spAutoFit/>
+          </a:bodyPr>
+          <a:lstStyle/>
+          <a:p>
+            <a:r>
+              <a:rPr lang="en-GB" dirty="0"/>
+              <a:t>Modules</a:t>
+            </a:r>
+          </a:p>
+        </p:txBody>
+      </p:sp>
+      <p:sp>
+        <p:nvSpPr>
+          <p:cNvPr id="49" name="Textfeld 48"/>
+          <p:cNvSpPr txBox="1"/>
+          <p:nvPr/>
+        </p:nvSpPr>
+        <p:spPr>
+          <a:xfrm>
+            <a:off x="785886" y="1806019"/>
+            <a:ext cx="1507657" cy="369332"/>
+          </a:xfrm>
+          <a:prstGeom prst="rect">
+            <a:avLst/>
+          </a:prstGeom>
+          <a:noFill/>
+        </p:spPr>
+        <p:txBody>
+          <a:bodyPr wrap="none" rtlCol="0">
+            <a:spAutoFit/>
+          </a:bodyPr>
+          <a:lstStyle/>
+          <a:p>
+            <a:r>
+              <a:rPr lang="en-GB" dirty="0"/>
+              <a:t>User Interface</a:t>
+            </a:r>
+          </a:p>
+        </p:txBody>
+      </p:sp>
+      <p:sp>
+        <p:nvSpPr>
+          <p:cNvPr id="50" name="Textfeld 49"/>
+          <p:cNvSpPr txBox="1"/>
+          <p:nvPr/>
+        </p:nvSpPr>
+        <p:spPr>
+          <a:xfrm>
+            <a:off x="891372" y="7215791"/>
+            <a:ext cx="1352743" cy="369332"/>
+          </a:xfrm>
+          <a:prstGeom prst="rect">
+            <a:avLst/>
+          </a:prstGeom>
+          <a:noFill/>
+        </p:spPr>
+        <p:txBody>
+          <a:bodyPr wrap="none" rtlCol="0">
+            <a:spAutoFit/>
+          </a:bodyPr>
+          <a:lstStyle/>
+          <a:p>
+            <a:r>
+              <a:rPr lang="en-GB" dirty="0" smtClean="0"/>
+              <a:t>Fundaments</a:t>
+            </a:r>
+            <a:endParaRPr lang="en-GB" dirty="0"/>
+          </a:p>
+        </p:txBody>
+      </p:sp>
+      <p:sp>
+        <p:nvSpPr>
+          <p:cNvPr id="52" name="Abgerundetes Rechteck 51"/>
+          <p:cNvSpPr/>
+          <p:nvPr/>
+        </p:nvSpPr>
+        <p:spPr>
+          <a:xfrm>
+            <a:off x="7211333" y="558488"/>
+            <a:ext cx="776164" cy="733943"/>
+          </a:xfrm>
+          <a:prstGeom prst="roundRect">
+            <a:avLst>
+              <a:gd name="adj" fmla="val 1514"/>
+            </a:avLst>
+          </a:prstGeom>
+          <a:solidFill>
+            <a:srgbClr val="70AD47"/>
+          </a:solidFill>
+          <a:ln w="19050">
+            <a:solidFill>
+              <a:schemeClr val="accent1">
+                <a:lumMod val="50000"/>
+              </a:schemeClr>
+            </a:solidFill>
+          </a:ln>
+        </p:spPr>
+        <p:style>
+          <a:lnRef idx="2">
+            <a:schemeClr val="accent1">
+              <a:shade val="50000"/>
+            </a:schemeClr>
+          </a:lnRef>
+          <a:fillRef idx="1">
+            <a:schemeClr val="accent1"/>
+          </a:fillRef>
+          <a:effectRef idx="0">
+            <a:schemeClr val="accent1"/>
+          </a:effectRef>
+          <a:fontRef idx="minor">
+            <a:schemeClr val="lt1"/>
+          </a:fontRef>
+        </p:style>
+        <p:txBody>
+          <a:bodyPr rtlCol="0" anchor="ctr"/>
+          <a:lstStyle/>
+          <a:p>
+            <a:pPr algn="ctr"/>
+            <a:endParaRPr lang="en-GB"/>
+          </a:p>
+        </p:txBody>
+      </p:sp>
+      <p:sp>
+        <p:nvSpPr>
+          <p:cNvPr id="54" name="Textfeld 53"/>
+          <p:cNvSpPr txBox="1"/>
+          <p:nvPr/>
+        </p:nvSpPr>
+        <p:spPr>
+          <a:xfrm>
+            <a:off x="7313333" y="751572"/>
+            <a:ext cx="561372" cy="369332"/>
+          </a:xfrm>
+          <a:prstGeom prst="rect">
+            <a:avLst/>
+          </a:prstGeom>
+          <a:noFill/>
+        </p:spPr>
+        <p:txBody>
+          <a:bodyPr wrap="none" rtlCol="0">
+            <a:spAutoFit/>
+          </a:bodyPr>
+          <a:lstStyle/>
+          <a:p>
+            <a:r>
               <a:rPr lang="en-GB" dirty="0" smtClean="0"/>
               <a:t>UT3</a:t>
+            </a:r>
+            <a:endParaRPr lang="en-GB" dirty="0"/>
+          </a:p>
+        </p:txBody>
+      </p:sp>
+      <p:sp>
+        <p:nvSpPr>
+          <p:cNvPr id="55" name="Abgerundetes Rechteck 54"/>
+          <p:cNvSpPr/>
+          <p:nvPr/>
+        </p:nvSpPr>
+        <p:spPr>
+          <a:xfrm>
+            <a:off x="4151566" y="7461727"/>
+            <a:ext cx="1690538" cy="391213"/>
+          </a:xfrm>
+          <a:prstGeom prst="roundRect">
+            <a:avLst/>
+          </a:prstGeom>
+          <a:solidFill>
+            <a:srgbClr val="4472C4"/>
+          </a:solidFill>
+        </p:spPr>
+        <p:style>
+          <a:lnRef idx="2">
+            <a:schemeClr val="accent1">
+              <a:shade val="50000"/>
+            </a:schemeClr>
+          </a:lnRef>
+          <a:fillRef idx="1">
+            <a:schemeClr val="accent1"/>
+          </a:fillRef>
+          <a:effectRef idx="0">
+            <a:schemeClr val="accent1"/>
+          </a:effectRef>
+          <a:fontRef idx="minor">
+            <a:schemeClr val="lt1"/>
+          </a:fontRef>
+        </p:style>
+        <p:txBody>
+          <a:bodyPr rtlCol="0" anchor="ctr"/>
+          <a:lstStyle/>
+          <a:p>
+            <a:pPr algn="ctr"/>
+            <a:r>
+              <a:rPr lang="en-GB" dirty="0" err="1"/>
+              <a:t>Proj</a:t>
+            </a:r>
+            <a:endParaRPr lang="en-GB" dirty="0"/>
+          </a:p>
+        </p:txBody>
+      </p:sp>
+      <p:sp>
+        <p:nvSpPr>
+          <p:cNvPr id="6" name="Textfeld 5"/>
+          <p:cNvSpPr txBox="1"/>
+          <p:nvPr/>
+        </p:nvSpPr>
+        <p:spPr>
+          <a:xfrm>
+            <a:off x="5635071" y="2239547"/>
+            <a:ext cx="2711896" cy="369332"/>
+          </a:xfrm>
+          <a:prstGeom prst="rect">
+            <a:avLst/>
+          </a:prstGeom>
+          <a:noFill/>
+        </p:spPr>
+        <p:txBody>
+          <a:bodyPr wrap="none" rtlCol="0">
+            <a:spAutoFit/>
+          </a:bodyPr>
+          <a:lstStyle/>
+          <a:p>
+            <a:r>
+              <a:rPr lang="en-GB" dirty="0"/>
+              <a:t>Geometry Model </a:t>
+            </a:r>
+            <a:r>
+              <a:rPr lang="en-GB" dirty="0" smtClean="0"/>
+              <a:t>Renderer</a:t>
+            </a:r>
+            <a:endParaRPr lang="en-GB" dirty="0"/>
+          </a:p>
+        </p:txBody>
+      </p:sp>
+      <p:sp>
+        <p:nvSpPr>
+          <p:cNvPr id="8" name="Abgerundetes Rechteck 7"/>
+          <p:cNvSpPr/>
+          <p:nvPr/>
+        </p:nvSpPr>
+        <p:spPr>
+          <a:xfrm>
+            <a:off x="3994334" y="8387643"/>
+            <a:ext cx="309481" cy="296883"/>
+          </a:xfrm>
+          <a:prstGeom prst="roundRect">
+            <a:avLst/>
+          </a:prstGeom>
+          <a:solidFill>
+            <a:srgbClr val="4472C4"/>
+          </a:solidFill>
+          <a:ln>
+            <a:solidFill>
+              <a:srgbClr val="4472C4"/>
+            </a:solidFill>
+          </a:ln>
+        </p:spPr>
+        <p:style>
+          <a:lnRef idx="2">
+            <a:schemeClr val="accent1">
+              <a:shade val="50000"/>
+            </a:schemeClr>
+          </a:lnRef>
+          <a:fillRef idx="1">
+            <a:schemeClr val="accent1"/>
+          </a:fillRef>
+          <a:effectRef idx="0">
+            <a:schemeClr val="accent1"/>
+          </a:effectRef>
+          <a:fontRef idx="minor">
+            <a:schemeClr val="lt1"/>
+          </a:fontRef>
+        </p:style>
+        <p:txBody>
+          <a:bodyPr rtlCol="0" anchor="ctr"/>
+          <a:lstStyle/>
+          <a:p>
+            <a:pPr algn="ctr"/>
+            <a:endParaRPr lang="en-GB"/>
+          </a:p>
+        </p:txBody>
+      </p:sp>
+      <p:sp>
+        <p:nvSpPr>
+          <p:cNvPr id="61" name="Abgerundetes Rechteck 60"/>
+          <p:cNvSpPr/>
+          <p:nvPr/>
+        </p:nvSpPr>
+        <p:spPr>
+          <a:xfrm>
+            <a:off x="6872081" y="8387641"/>
+            <a:ext cx="309481" cy="296883"/>
+          </a:xfrm>
+          <a:prstGeom prst="roundRect">
+            <a:avLst/>
+          </a:prstGeom>
+          <a:solidFill>
+            <a:srgbClr val="70AD47"/>
+          </a:solidFill>
+          <a:ln>
+            <a:solidFill>
+              <a:srgbClr val="70AD47"/>
+            </a:solidFill>
+          </a:ln>
+        </p:spPr>
+        <p:style>
+          <a:lnRef idx="2">
+            <a:schemeClr val="accent1">
+              <a:shade val="50000"/>
+            </a:schemeClr>
+          </a:lnRef>
+          <a:fillRef idx="1">
+            <a:schemeClr val="accent1"/>
+          </a:fillRef>
+          <a:effectRef idx="0">
+            <a:schemeClr val="accent1"/>
+          </a:effectRef>
+          <a:fontRef idx="minor">
+            <a:schemeClr val="lt1"/>
+          </a:fontRef>
+        </p:style>
+        <p:txBody>
+          <a:bodyPr rtlCol="0" anchor="ctr"/>
+          <a:lstStyle/>
+          <a:p>
+            <a:pPr algn="ctr"/>
+            <a:endParaRPr lang="en-GB"/>
+          </a:p>
+        </p:txBody>
+      </p:sp>
+      <p:sp>
+        <p:nvSpPr>
+          <p:cNvPr id="62" name="Abgerundetes Rechteck 61"/>
+          <p:cNvSpPr/>
+          <p:nvPr/>
+        </p:nvSpPr>
+        <p:spPr>
+          <a:xfrm>
+            <a:off x="9275066" y="8387641"/>
+            <a:ext cx="309481" cy="296883"/>
+          </a:xfrm>
+          <a:prstGeom prst="roundRect">
+            <a:avLst/>
+          </a:prstGeom>
+          <a:solidFill>
+            <a:srgbClr val="ED7D31"/>
+          </a:solidFill>
+          <a:ln>
+            <a:solidFill>
+              <a:srgbClr val="ED7D31"/>
+            </a:solidFill>
+          </a:ln>
+        </p:spPr>
+        <p:style>
+          <a:lnRef idx="2">
+            <a:schemeClr val="accent1">
+              <a:shade val="50000"/>
+            </a:schemeClr>
+          </a:lnRef>
+          <a:fillRef idx="1">
+            <a:schemeClr val="accent1"/>
+          </a:fillRef>
+          <a:effectRef idx="0">
+            <a:schemeClr val="accent1"/>
+          </a:effectRef>
+          <a:fontRef idx="minor">
+            <a:schemeClr val="lt1"/>
+          </a:fontRef>
+        </p:style>
+        <p:txBody>
+          <a:bodyPr rtlCol="0" anchor="ctr"/>
+          <a:lstStyle/>
+          <a:p>
+            <a:pPr algn="ctr"/>
+            <a:endParaRPr lang="en-GB"/>
+          </a:p>
+        </p:txBody>
+      </p:sp>
+      <p:sp>
+        <p:nvSpPr>
+          <p:cNvPr id="9" name="Textfeld 8"/>
+          <p:cNvSpPr txBox="1"/>
+          <p:nvPr/>
+        </p:nvSpPr>
+        <p:spPr>
+          <a:xfrm>
+            <a:off x="4293545" y="8351415"/>
+            <a:ext cx="2084353" cy="369332"/>
+          </a:xfrm>
+          <a:prstGeom prst="rect">
+            <a:avLst/>
+          </a:prstGeom>
+          <a:noFill/>
+        </p:spPr>
+        <p:txBody>
+          <a:bodyPr wrap="none" rtlCol="0">
+            <a:spAutoFit/>
+          </a:bodyPr>
+          <a:lstStyle/>
+          <a:p>
+            <a:r>
+              <a:rPr lang="en-GB" dirty="0" smtClean="0"/>
+              <a:t>Third-party Libraries</a:t>
+            </a:r>
+            <a:endParaRPr lang="en-GB" dirty="0"/>
+          </a:p>
+        </p:txBody>
+      </p:sp>
+      <p:sp>
+        <p:nvSpPr>
+          <p:cNvPr id="63" name="Textfeld 62"/>
+          <p:cNvSpPr txBox="1"/>
+          <p:nvPr/>
+        </p:nvSpPr>
+        <p:spPr>
+          <a:xfrm>
+            <a:off x="7181562" y="8348541"/>
+            <a:ext cx="1289840" cy="369332"/>
+          </a:xfrm>
+          <a:prstGeom prst="rect">
+            <a:avLst/>
+          </a:prstGeom>
+          <a:noFill/>
+        </p:spPr>
+        <p:txBody>
+          <a:bodyPr wrap="none" rtlCol="0">
+            <a:spAutoFit/>
+          </a:bodyPr>
+          <a:lstStyle/>
+          <a:p>
+            <a:r>
+              <a:rPr lang="en-GB" dirty="0" smtClean="0"/>
+              <a:t>Executables</a:t>
+            </a:r>
+            <a:endParaRPr lang="en-GB" dirty="0"/>
+          </a:p>
+        </p:txBody>
+      </p:sp>
+      <p:sp>
+        <p:nvSpPr>
+          <p:cNvPr id="64" name="Textfeld 63"/>
+          <p:cNvSpPr txBox="1"/>
+          <p:nvPr/>
+        </p:nvSpPr>
+        <p:spPr>
+          <a:xfrm>
+            <a:off x="9574966" y="8348541"/>
+            <a:ext cx="522900" cy="369332"/>
+          </a:xfrm>
+          <a:prstGeom prst="rect">
+            <a:avLst/>
+          </a:prstGeom>
+          <a:noFill/>
+        </p:spPr>
+        <p:txBody>
+          <a:bodyPr wrap="none" rtlCol="0">
+            <a:spAutoFit/>
+          </a:bodyPr>
+          <a:lstStyle/>
+          <a:p>
+            <a:r>
+              <a:rPr lang="en-GB" dirty="0" err="1" smtClean="0"/>
+              <a:t>Dlls</a:t>
             </a:r>
             <a:endParaRPr lang="en-GB" dirty="0"/>
           </a:p>
@@ -6654,9 +7248,7 @@
             </a:avLst>
           </a:prstGeom>
           <a:solidFill>
-            <a:schemeClr val="bg1">
-              <a:lumMod val="95000"/>
-            </a:schemeClr>
+            <a:srgbClr val="FFC000"/>
           </a:solidFill>
           <a:ln w="19050">
             <a:solidFill>
@@ -6708,9 +7300,7 @@
             </a:avLst>
           </a:prstGeom>
           <a:solidFill>
-            <a:schemeClr val="bg1">
-              <a:lumMod val="95000"/>
-            </a:schemeClr>
+            <a:srgbClr val="FFC000"/>
           </a:solidFill>
           <a:ln w="19050">
             <a:solidFill>
@@ -6762,9 +7352,7 @@
             </a:avLst>
           </a:prstGeom>
           <a:solidFill>
-            <a:schemeClr val="bg1">
-              <a:lumMod val="95000"/>
-            </a:schemeClr>
+            <a:srgbClr val="FFC000"/>
           </a:solidFill>
           <a:ln w="19050">
             <a:solidFill>
@@ -6816,9 +7404,7 @@
             </a:avLst>
           </a:prstGeom>
           <a:solidFill>
-            <a:schemeClr val="bg1">
-              <a:lumMod val="95000"/>
-            </a:schemeClr>
+            <a:srgbClr val="FFC000"/>
           </a:solidFill>
           <a:ln w="19050">
             <a:solidFill>
@@ -6870,9 +7456,7 @@
             </a:avLst>
           </a:prstGeom>
           <a:solidFill>
-            <a:schemeClr val="bg1">
-              <a:lumMod val="95000"/>
-            </a:schemeClr>
+            <a:srgbClr val="FFC000"/>
           </a:solidFill>
           <a:ln w="19050">
             <a:solidFill>
@@ -6909,13 +7493,13 @@
       </p:sp>
       <p:sp>
         <p:nvSpPr>
-          <p:cNvPr id="51" name="Abgerundetes Rechteck 50"/>
+          <p:cNvPr id="71" name="Abgerundetes Rechteck 70"/>
           <p:cNvSpPr/>
           <p:nvPr/>
         </p:nvSpPr>
         <p:spPr>
           <a:xfrm>
-            <a:off x="10355921" y="3310271"/>
+            <a:off x="3162135" y="1687439"/>
             <a:ext cx="1281827" cy="1389787"/>
           </a:xfrm>
           <a:prstGeom prst="roundRect">
@@ -6924,9 +7508,7 @@
             </a:avLst>
           </a:prstGeom>
           <a:solidFill>
-            <a:schemeClr val="bg1">
-              <a:lumMod val="95000"/>
-            </a:schemeClr>
+            <a:srgbClr val="ED7D31"/>
           </a:solidFill>
           <a:ln w="19050">
             <a:solidFill>
@@ -6963,13 +7545,13 @@
       </p:sp>
       <p:sp>
         <p:nvSpPr>
-          <p:cNvPr id="71" name="Abgerundetes Rechteck 70"/>
+          <p:cNvPr id="72" name="Abgerundetes Rechteck 71"/>
           <p:cNvSpPr/>
           <p:nvPr/>
         </p:nvSpPr>
         <p:spPr>
           <a:xfrm>
-            <a:off x="3162135" y="1687439"/>
+            <a:off x="4602592" y="1689832"/>
             <a:ext cx="1281827" cy="1389787"/>
           </a:xfrm>
           <a:prstGeom prst="roundRect">
@@ -6978,9 +7560,7 @@
             </a:avLst>
           </a:prstGeom>
           <a:solidFill>
-            <a:schemeClr val="bg1">
-              <a:lumMod val="95000"/>
-            </a:schemeClr>
+            <a:srgbClr val="ED7D31"/>
           </a:solidFill>
           <a:ln w="19050">
             <a:solidFill>
@@ -7017,13 +7597,13 @@
       </p:sp>
       <p:sp>
         <p:nvSpPr>
-          <p:cNvPr id="72" name="Abgerundetes Rechteck 71"/>
+          <p:cNvPr id="73" name="Abgerundetes Rechteck 72"/>
           <p:cNvSpPr/>
           <p:nvPr/>
         </p:nvSpPr>
         <p:spPr>
           <a:xfrm>
-            <a:off x="4602592" y="1689832"/>
+            <a:off x="6043049" y="1689831"/>
             <a:ext cx="1281827" cy="1389787"/>
           </a:xfrm>
           <a:prstGeom prst="roundRect">
@@ -7032,9 +7612,7 @@
             </a:avLst>
           </a:prstGeom>
           <a:solidFill>
-            <a:schemeClr val="bg1">
-              <a:lumMod val="95000"/>
-            </a:schemeClr>
+            <a:srgbClr val="ED7D31"/>
           </a:solidFill>
           <a:ln w="19050">
             <a:solidFill>
@@ -7071,13 +7649,13 @@
       </p:sp>
       <p:sp>
         <p:nvSpPr>
-          <p:cNvPr id="73" name="Abgerundetes Rechteck 72"/>
+          <p:cNvPr id="74" name="Abgerundetes Rechteck 73"/>
           <p:cNvSpPr/>
           <p:nvPr/>
         </p:nvSpPr>
         <p:spPr>
           <a:xfrm>
-            <a:off x="6043049" y="1689831"/>
+            <a:off x="7480673" y="1683026"/>
             <a:ext cx="1281827" cy="1389787"/>
           </a:xfrm>
           <a:prstGeom prst="roundRect">
@@ -7086,9 +7664,7 @@
             </a:avLst>
           </a:prstGeom>
           <a:solidFill>
-            <a:schemeClr val="bg1">
-              <a:lumMod val="95000"/>
-            </a:schemeClr>
+            <a:srgbClr val="ED7D31"/>
           </a:solidFill>
           <a:ln w="19050">
             <a:solidFill>
@@ -7125,13 +7701,13 @@
       </p:sp>
       <p:sp>
         <p:nvSpPr>
-          <p:cNvPr id="74" name="Abgerundetes Rechteck 73"/>
+          <p:cNvPr id="75" name="Abgerundetes Rechteck 74"/>
           <p:cNvSpPr/>
           <p:nvPr/>
         </p:nvSpPr>
         <p:spPr>
           <a:xfrm>
-            <a:off x="7480673" y="1683026"/>
+            <a:off x="8918297" y="1683025"/>
             <a:ext cx="1281827" cy="1389787"/>
           </a:xfrm>
           <a:prstGeom prst="roundRect">
@@ -7140,9 +7716,7 @@
             </a:avLst>
           </a:prstGeom>
           <a:solidFill>
-            <a:schemeClr val="bg1">
-              <a:lumMod val="95000"/>
-            </a:schemeClr>
+            <a:srgbClr val="ED7D31"/>
           </a:solidFill>
           <a:ln w="19050">
             <a:solidFill>
@@ -7179,24 +7753,22 @@
       </p:sp>
       <p:sp>
         <p:nvSpPr>
-          <p:cNvPr id="75" name="Abgerundetes Rechteck 74"/>
+          <p:cNvPr id="2" name="Abgerundetes Rechteck 1"/>
           <p:cNvSpPr/>
           <p:nvPr/>
         </p:nvSpPr>
         <p:spPr>
           <a:xfrm>
-            <a:off x="8918297" y="1683025"/>
-            <a:ext cx="1281827" cy="1389787"/>
+            <a:off x="3168682" y="4974623"/>
+            <a:ext cx="7031442" cy="1354773"/>
           </a:xfrm>
           <a:prstGeom prst="roundRect">
             <a:avLst>
-              <a:gd name="adj" fmla="val 1554"/>
+              <a:gd name="adj" fmla="val 1572"/>
             </a:avLst>
           </a:prstGeom>
           <a:solidFill>
-            <a:schemeClr val="bg1">
-              <a:lumMod val="95000"/>
-            </a:schemeClr>
+            <a:srgbClr val="70AD47"/>
           </a:solidFill>
           <a:ln w="19050">
             <a:solidFill>
@@ -7233,25 +7805,48 @@
       </p:sp>
       <p:sp>
         <p:nvSpPr>
-          <p:cNvPr id="76" name="Abgerundetes Rechteck 75"/>
-          <p:cNvSpPr/>
-          <p:nvPr/>
-        </p:nvSpPr>
-        <p:spPr>
-          <a:xfrm>
-            <a:off x="10355921" y="1683024"/>
-            <a:ext cx="1281827" cy="1389787"/>
-          </a:xfrm>
-          <a:prstGeom prst="roundRect">
-            <a:avLst>
-              <a:gd name="adj" fmla="val 1554"/>
-            </a:avLst>
-          </a:prstGeom>
-          <a:solidFill>
-            <a:schemeClr val="bg1">
-              <a:lumMod val="95000"/>
-            </a:schemeClr>
-          </a:solidFill>
+          <p:cNvPr id="5" name="Textfeld 4"/>
+          <p:cNvSpPr txBox="1"/>
+          <p:nvPr/>
+        </p:nvSpPr>
+        <p:spPr>
+          <a:xfrm>
+            <a:off x="3489634" y="5134625"/>
+            <a:ext cx="2660408" cy="369332"/>
+          </a:xfrm>
+          <a:prstGeom prst="rect">
+            <a:avLst/>
+          </a:prstGeom>
+          <a:noFill/>
+        </p:spPr>
+        <p:txBody>
+          <a:bodyPr wrap="none" rtlCol="0">
+            <a:spAutoFit/>
+          </a:bodyPr>
+          <a:lstStyle/>
+          <a:p>
+            <a:r>
+              <a:rPr lang="en-GB" dirty="0" smtClean="0"/>
+              <a:t>Express Binding Generator</a:t>
+            </a:r>
+            <a:endParaRPr lang="en-GB" dirty="0"/>
+          </a:p>
+        </p:txBody>
+      </p:sp>
+      <p:cxnSp>
+        <p:nvCxnSpPr>
+          <p:cNvPr id="7" name="Gerader Verbinder 6"/>
+          <p:cNvCxnSpPr/>
+          <p:nvPr/>
+        </p:nvCxnSpPr>
+        <p:spPr>
+          <a:xfrm flipH="1">
+            <a:off x="200052" y="4820845"/>
+            <a:ext cx="10800000" cy="0"/>
+          </a:xfrm>
+          <a:prstGeom prst="line">
+            <a:avLst/>
+          </a:prstGeom>
           <a:ln w="19050">
             <a:solidFill>
               <a:schemeClr val="accent1">
@@ -7261,51 +7856,72 @@
           </a:ln>
         </p:spPr>
         <p:style>
-          <a:lnRef idx="2">
-            <a:schemeClr val="accent1">
-              <a:shade val="50000"/>
-            </a:schemeClr>
+          <a:lnRef idx="1">
+            <a:schemeClr val="accent1"/>
           </a:lnRef>
-          <a:fillRef idx="1">
+          <a:fillRef idx="0">
             <a:schemeClr val="accent1"/>
           </a:fillRef>
           <a:effectRef idx="0">
             <a:schemeClr val="accent1"/>
           </a:effectRef>
           <a:fontRef idx="minor">
-            <a:schemeClr val="lt1"/>
+            <a:schemeClr val="tx1"/>
           </a:fontRef>
         </p:style>
-        <p:txBody>
-          <a:bodyPr rtlCol="0" anchor="ctr"/>
+      </p:cxnSp>
+      <p:sp>
+        <p:nvSpPr>
+          <p:cNvPr id="11" name="Textfeld 10"/>
+          <p:cNvSpPr txBox="1"/>
+          <p:nvPr/>
+        </p:nvSpPr>
+        <p:spPr>
+          <a:xfrm>
+            <a:off x="3156981" y="3389724"/>
+            <a:ext cx="1266309" cy="646331"/>
+          </a:xfrm>
+          <a:prstGeom prst="rect">
+            <a:avLst/>
+          </a:prstGeom>
+          <a:noFill/>
+        </p:spPr>
+        <p:txBody>
+          <a:bodyPr wrap="none" rtlCol="0">
+            <a:spAutoFit/>
+          </a:bodyPr>
           <a:lstStyle/>
           <a:p>
             <a:pPr algn="ctr"/>
-            <a:endParaRPr lang="en-GB"/>
-          </a:p>
-        </p:txBody>
-      </p:sp>
-      <p:sp>
-        <p:nvSpPr>
-          <p:cNvPr id="2" name="Abgerundetes Rechteck 1"/>
-          <p:cNvSpPr/>
-          <p:nvPr/>
-        </p:nvSpPr>
-        <p:spPr>
-          <a:xfrm>
-            <a:off x="3168682" y="4974623"/>
-            <a:ext cx="8469066" cy="1637174"/>
-          </a:xfrm>
-          <a:prstGeom prst="roundRect">
-            <a:avLst>
-              <a:gd name="adj" fmla="val 1572"/>
-            </a:avLst>
-          </a:prstGeom>
-          <a:solidFill>
-            <a:schemeClr val="bg1">
-              <a:lumMod val="95000"/>
-            </a:schemeClr>
-          </a:solidFill>
+            <a:r>
+              <a:rPr lang="en-GB" dirty="0" smtClean="0"/>
+              <a:t>Generate</a:t>
+            </a:r>
+          </a:p>
+          <a:p>
+            <a:pPr algn="ctr"/>
+            <a:r>
+              <a:rPr lang="en-GB" dirty="0" smtClean="0"/>
+              <a:t>IFC2x3_TC1</a:t>
+            </a:r>
+            <a:endParaRPr lang="en-GB" dirty="0"/>
+          </a:p>
+        </p:txBody>
+      </p:sp>
+      <p:cxnSp>
+        <p:nvCxnSpPr>
+          <p:cNvPr id="15" name="Gerader Verbinder 14"/>
+          <p:cNvCxnSpPr/>
+          <p:nvPr/>
+        </p:nvCxnSpPr>
+        <p:spPr>
+          <a:xfrm flipH="1">
+            <a:off x="200053" y="3193600"/>
+            <a:ext cx="10800000" cy="0"/>
+          </a:xfrm>
+          <a:prstGeom prst="line">
+            <a:avLst/>
+          </a:prstGeom>
           <a:ln w="19050">
             <a:solidFill>
               <a:schemeClr val="accent1">
@@ -7315,83 +7931,6 @@
           </a:ln>
         </p:spPr>
         <p:style>
-          <a:lnRef idx="2">
-            <a:schemeClr val="accent1">
-              <a:shade val="50000"/>
-            </a:schemeClr>
-          </a:lnRef>
-          <a:fillRef idx="1">
-            <a:schemeClr val="accent1"/>
-          </a:fillRef>
-          <a:effectRef idx="0">
-            <a:schemeClr val="accent1"/>
-          </a:effectRef>
-          <a:fontRef idx="minor">
-            <a:schemeClr val="lt1"/>
-          </a:fontRef>
-        </p:style>
-        <p:txBody>
-          <a:bodyPr rtlCol="0" anchor="ctr"/>
-          <a:lstStyle/>
-          <a:p>
-            <a:pPr algn="ctr"/>
-            <a:endParaRPr lang="en-GB"/>
-          </a:p>
-        </p:txBody>
-      </p:sp>
-      <p:sp>
-        <p:nvSpPr>
-          <p:cNvPr id="5" name="Textfeld 4"/>
-          <p:cNvSpPr txBox="1"/>
-          <p:nvPr/>
-        </p:nvSpPr>
-        <p:spPr>
-          <a:xfrm>
-            <a:off x="3489634" y="5134625"/>
-            <a:ext cx="2660408" cy="369332"/>
-          </a:xfrm>
-          <a:prstGeom prst="rect">
-            <a:avLst/>
-          </a:prstGeom>
-          <a:noFill/>
-        </p:spPr>
-        <p:txBody>
-          <a:bodyPr wrap="none" rtlCol="0">
-            <a:spAutoFit/>
-          </a:bodyPr>
-          <a:lstStyle/>
-          <a:p>
-            <a:r>
-              <a:rPr lang="en-GB" dirty="0" smtClean="0"/>
-              <a:t>Express Binding Generator</a:t>
-            </a:r>
-            <a:endParaRPr lang="en-GB" dirty="0"/>
-          </a:p>
-        </p:txBody>
-      </p:sp>
-      <p:cxnSp>
-        <p:nvCxnSpPr>
-          <p:cNvPr id="7" name="Gerader Verbinder 6"/>
-          <p:cNvCxnSpPr/>
-          <p:nvPr/>
-        </p:nvCxnSpPr>
-        <p:spPr>
-          <a:xfrm flipH="1">
-            <a:off x="200052" y="4820845"/>
-            <a:ext cx="11764651" cy="4714"/>
-          </a:xfrm>
-          <a:prstGeom prst="line">
-            <a:avLst/>
-          </a:prstGeom>
-          <a:ln w="19050">
-            <a:solidFill>
-              <a:schemeClr val="accent1">
-                <a:lumMod val="50000"/>
-              </a:schemeClr>
-            </a:solidFill>
-          </a:ln>
-        </p:spPr>
-        <p:style>
           <a:lnRef idx="1">
             <a:schemeClr val="accent1"/>
           </a:lnRef>
@@ -7408,14 +7947,14 @@
       </p:cxnSp>
       <p:sp>
         <p:nvSpPr>
-          <p:cNvPr id="11" name="Textfeld 10"/>
+          <p:cNvPr id="48" name="Textfeld 47"/>
           <p:cNvSpPr txBox="1"/>
           <p:nvPr/>
         </p:nvSpPr>
         <p:spPr>
           <a:xfrm>
-            <a:off x="3156981" y="3389724"/>
-            <a:ext cx="1266309" cy="646331"/>
+            <a:off x="1051530" y="3820501"/>
+            <a:ext cx="1242648" cy="369332"/>
           </a:xfrm>
           <a:prstGeom prst="rect">
             <a:avLst/>
@@ -7428,69 +7967,24 @@
           </a:bodyPr>
           <a:lstStyle/>
           <a:p>
-            <a:pPr algn="ctr"/>
             <a:r>
               <a:rPr lang="en-GB" dirty="0" smtClean="0"/>
-              <a:t>Generate</a:t>
-            </a:r>
-          </a:p>
-          <a:p>
-            <a:pPr algn="ctr"/>
-            <a:r>
-              <a:rPr lang="en-GB" dirty="0" smtClean="0"/>
-              <a:t>IFC2x3_TC1</a:t>
+              <a:t>Commands</a:t>
             </a:r>
             <a:endParaRPr lang="en-GB" dirty="0"/>
           </a:p>
         </p:txBody>
       </p:sp>
-      <p:cxnSp>
-        <p:nvCxnSpPr>
-          <p:cNvPr id="15" name="Gerader Verbinder 14"/>
-          <p:cNvCxnSpPr/>
-          <p:nvPr/>
-        </p:nvCxnSpPr>
-        <p:spPr>
-          <a:xfrm flipH="1">
-            <a:off x="200053" y="3193600"/>
-            <a:ext cx="11764651" cy="4714"/>
-          </a:xfrm>
-          <a:prstGeom prst="line">
-            <a:avLst/>
-          </a:prstGeom>
-          <a:ln w="19050">
-            <a:solidFill>
-              <a:schemeClr val="accent1">
-                <a:lumMod val="50000"/>
-              </a:schemeClr>
-            </a:solidFill>
-          </a:ln>
-        </p:spPr>
-        <p:style>
-          <a:lnRef idx="1">
-            <a:schemeClr val="accent1"/>
-          </a:lnRef>
-          <a:fillRef idx="0">
-            <a:schemeClr val="accent1"/>
-          </a:fillRef>
-          <a:effectRef idx="0">
-            <a:schemeClr val="accent1"/>
-          </a:effectRef>
-          <a:fontRef idx="minor">
-            <a:schemeClr val="tx1"/>
-          </a:fontRef>
-        </p:style>
-      </p:cxnSp>
-      <p:sp>
-        <p:nvSpPr>
-          <p:cNvPr id="48" name="Textfeld 47"/>
+      <p:sp>
+        <p:nvSpPr>
+          <p:cNvPr id="49" name="Textfeld 48"/>
           <p:cNvSpPr txBox="1"/>
           <p:nvPr/>
         </p:nvSpPr>
         <p:spPr>
           <a:xfrm>
-            <a:off x="1051530" y="3820501"/>
-            <a:ext cx="1242648" cy="369332"/>
+            <a:off x="548473" y="2136638"/>
+            <a:ext cx="2248757" cy="369332"/>
           </a:xfrm>
           <a:prstGeom prst="rect">
             <a:avLst/>
@@ -7505,7 +7999,11 @@
           <a:p>
             <a:r>
               <a:rPr lang="en-GB" dirty="0" smtClean="0"/>
-              <a:t>Commands</a:t>
+              <a:t>Early Binding </a:t>
+            </a:r>
+            <a:r>
+              <a:rPr lang="en-GB" dirty="0" smtClean="0"/>
+              <a:t>Libraries</a:t>
             </a:r>
             <a:endParaRPr lang="en-GB" dirty="0"/>
           </a:p>
@@ -7513,14 +8011,14 @@
       </p:sp>
       <p:sp>
         <p:nvSpPr>
-          <p:cNvPr id="49" name="Textfeld 48"/>
+          <p:cNvPr id="50" name="Textfeld 49"/>
           <p:cNvSpPr txBox="1"/>
           <p:nvPr/>
         </p:nvSpPr>
         <p:spPr>
           <a:xfrm>
-            <a:off x="810598" y="2085664"/>
-            <a:ext cx="1724511" cy="369332"/>
+            <a:off x="1100965" y="5503957"/>
+            <a:ext cx="1143775" cy="369332"/>
           </a:xfrm>
           <a:prstGeom prst="rect">
             <a:avLst/>
@@ -7535,37 +8033,7 @@
           <a:p>
             <a:r>
               <a:rPr lang="en-GB" dirty="0" smtClean="0"/>
-              <a:t>Early Binding Lib</a:t>
-            </a:r>
-            <a:endParaRPr lang="en-GB" dirty="0"/>
-          </a:p>
-        </p:txBody>
-      </p:sp>
-      <p:sp>
-        <p:nvSpPr>
-          <p:cNvPr id="50" name="Textfeld 49"/>
-          <p:cNvSpPr txBox="1"/>
-          <p:nvPr/>
-        </p:nvSpPr>
-        <p:spPr>
-          <a:xfrm>
-            <a:off x="1004337" y="5565742"/>
-            <a:ext cx="1289840" cy="369332"/>
-          </a:xfrm>
-          <a:prstGeom prst="rect">
-            <a:avLst/>
-          </a:prstGeom>
-          <a:noFill/>
-        </p:spPr>
-        <p:txBody>
-          <a:bodyPr wrap="none" rtlCol="0">
-            <a:spAutoFit/>
-          </a:bodyPr>
-          <a:lstStyle/>
-          <a:p>
-            <a:r>
-              <a:rPr lang="en-GB" dirty="0" smtClean="0"/>
-              <a:t>Executables</a:t>
+              <a:t>Generator</a:t>
             </a:r>
             <a:endParaRPr lang="en-GB" dirty="0"/>
           </a:p>
@@ -7579,12 +8047,15 @@
         </p:nvSpPr>
         <p:spPr>
           <a:xfrm>
-            <a:off x="7874994" y="6043757"/>
+            <a:off x="8311120" y="5776877"/>
             <a:ext cx="1690538" cy="391213"/>
           </a:xfrm>
           <a:prstGeom prst="roundRect">
             <a:avLst/>
           </a:prstGeom>
+          <a:solidFill>
+            <a:srgbClr val="4472C4"/>
+          </a:solidFill>
         </p:spPr>
         <p:style>
           <a:lnRef idx="2">
@@ -7623,12 +8094,15 @@
         </p:nvSpPr>
         <p:spPr>
           <a:xfrm>
-            <a:off x="9724285" y="6031399"/>
+            <a:off x="8311120" y="5264830"/>
             <a:ext cx="1690538" cy="391213"/>
           </a:xfrm>
           <a:prstGeom prst="roundRect">
             <a:avLst/>
           </a:prstGeom>
+          <a:solidFill>
+            <a:srgbClr val="4472C4"/>
+          </a:solidFill>
         </p:spPr>
         <p:style>
           <a:lnRef idx="2">
@@ -7667,12 +8141,15 @@
         </p:nvSpPr>
         <p:spPr>
           <a:xfrm>
-            <a:off x="4176412" y="6043757"/>
+            <a:off x="6473824" y="5264829"/>
             <a:ext cx="1690538" cy="391213"/>
           </a:xfrm>
           <a:prstGeom prst="roundRect">
             <a:avLst/>
           </a:prstGeom>
+          <a:solidFill>
+            <a:srgbClr val="4472C4"/>
+          </a:solidFill>
         </p:spPr>
         <p:style>
           <a:lnRef idx="2">
@@ -7711,12 +8188,15 @@
         </p:nvSpPr>
         <p:spPr>
           <a:xfrm>
-            <a:off x="6025703" y="6043757"/>
+            <a:off x="6473824" y="5764814"/>
             <a:ext cx="1690538" cy="391213"/>
           </a:xfrm>
           <a:prstGeom prst="roundRect">
             <a:avLst/>
           </a:prstGeom>
+          <a:solidFill>
+            <a:srgbClr val="4472C4"/>
+          </a:solidFill>
         </p:spPr>
         <p:style>
           <a:lnRef idx="2">
@@ -7755,7 +8235,7 @@
         </p:nvSpPr>
         <p:spPr>
           <a:xfrm>
-            <a:off x="6062434" y="3389724"/>
+            <a:off x="4623671" y="3389724"/>
             <a:ext cx="1237390" cy="646331"/>
           </a:xfrm>
           <a:prstGeom prst="rect">
@@ -7793,8 +8273,8 @@
         </p:nvSpPr>
         <p:spPr>
           <a:xfrm>
-            <a:off x="7454224" y="3388783"/>
-            <a:ext cx="1334724" cy="646331"/>
+            <a:off x="6135799" y="3389724"/>
+            <a:ext cx="1096326" cy="646331"/>
           </a:xfrm>
           <a:prstGeom prst="rect">
             <a:avLst/>
@@ -7817,7 +8297,7 @@
             <a:pPr algn="ctr"/>
             <a:r>
               <a:rPr lang="en-GB" dirty="0" smtClean="0"/>
-              <a:t>IFC4x1_RC3 </a:t>
+              <a:t>IFC4x1 </a:t>
             </a:r>
             <a:endParaRPr lang="en-GB" dirty="0"/>
           </a:p>
@@ -7825,19 +8305,21 @@
       </p:sp>
       <p:sp>
         <p:nvSpPr>
-          <p:cNvPr id="58" name="Textfeld 57"/>
+          <p:cNvPr id="60" name="Textfeld 59"/>
           <p:cNvSpPr txBox="1"/>
           <p:nvPr/>
         </p:nvSpPr>
         <p:spPr>
           <a:xfrm>
-            <a:off x="8859699" y="3382939"/>
-            <a:ext cx="1370888" cy="1200329"/>
+            <a:off x="7588385" y="3382939"/>
+            <a:ext cx="1056956" cy="1200329"/>
           </a:xfrm>
           <a:prstGeom prst="rect">
             <a:avLst/>
           </a:prstGeom>
-          <a:noFill/>
+          <a:solidFill>
+            <a:srgbClr val="FFC000"/>
+          </a:solidFill>
         </p:spPr>
         <p:txBody>
           <a:bodyPr wrap="none" rtlCol="0">
@@ -7855,21 +8337,21 @@
             <a:pPr algn="ctr"/>
             <a:r>
               <a:rPr lang="en-GB" dirty="0" smtClean="0"/>
-              <a:t>IFC4x2</a:t>
+              <a:t>IFC4x3</a:t>
             </a:r>
           </a:p>
           <a:p>
             <a:pPr algn="ctr"/>
             <a:r>
               <a:rPr lang="en-GB" dirty="0" smtClean="0"/>
-              <a:t>(BIM4ROAD)</a:t>
+              <a:t>(RC1)</a:t>
             </a:r>
           </a:p>
           <a:p>
             <a:pPr algn="ctr"/>
             <a:r>
               <a:rPr lang="en-GB" dirty="0" smtClean="0"/>
-              <a:t>(DRAFT_1)</a:t>
+              <a:t>(RC4)</a:t>
             </a:r>
             <a:endParaRPr lang="en-GB" dirty="0"/>
           </a:p>
@@ -7877,14 +8359,14 @@
       </p:sp>
       <p:sp>
         <p:nvSpPr>
-          <p:cNvPr id="60" name="Textfeld 59"/>
+          <p:cNvPr id="62" name="Textfeld 61"/>
           <p:cNvSpPr txBox="1"/>
           <p:nvPr/>
         </p:nvSpPr>
         <p:spPr>
           <a:xfrm>
-            <a:off x="10468356" y="3389724"/>
-            <a:ext cx="1056956" cy="1200329"/>
+            <a:off x="3401561" y="1767306"/>
+            <a:ext cx="802976" cy="369332"/>
           </a:xfrm>
           <a:prstGeom prst="rect">
             <a:avLst/>
@@ -7900,28 +8382,7 @@
             <a:pPr algn="ctr"/>
             <a:r>
               <a:rPr lang="en-GB" dirty="0" smtClean="0"/>
-              <a:t>Generate</a:t>
-            </a:r>
-          </a:p>
-          <a:p>
-            <a:pPr algn="ctr"/>
-            <a:r>
-              <a:rPr lang="en-GB" dirty="0" smtClean="0"/>
-              <a:t>IFC4x3</a:t>
-            </a:r>
-          </a:p>
-          <a:p>
-            <a:pPr algn="ctr"/>
-            <a:r>
-              <a:rPr lang="en-GB" dirty="0" smtClean="0"/>
-              <a:t>(RC1)</a:t>
-            </a:r>
-          </a:p>
-          <a:p>
-            <a:pPr algn="ctr"/>
-            <a:r>
-              <a:rPr lang="en-GB" dirty="0" smtClean="0"/>
-              <a:t>(RC4)</a:t>
+              <a:t>IFC2x3</a:t>
             </a:r>
             <a:endParaRPr lang="en-GB" dirty="0"/>
           </a:p>
@@ -7929,14 +8390,14 @@
       </p:sp>
       <p:sp>
         <p:nvSpPr>
-          <p:cNvPr id="62" name="Textfeld 61"/>
+          <p:cNvPr id="66" name="Textfeld 65"/>
           <p:cNvSpPr txBox="1"/>
           <p:nvPr/>
         </p:nvSpPr>
         <p:spPr>
           <a:xfrm>
-            <a:off x="3401561" y="1767306"/>
-            <a:ext cx="802976" cy="369332"/>
+            <a:off x="4920937" y="1767306"/>
+            <a:ext cx="639470" cy="369332"/>
           </a:xfrm>
           <a:prstGeom prst="rect">
             <a:avLst/>
@@ -7952,7 +8413,7 @@
             <a:pPr algn="ctr"/>
             <a:r>
               <a:rPr lang="en-GB" dirty="0" smtClean="0"/>
-              <a:t>IFC2x3</a:t>
+              <a:t>IFC4 </a:t>
             </a:r>
             <a:endParaRPr lang="en-GB" dirty="0"/>
           </a:p>
@@ -7960,13 +8421,13 @@
       </p:sp>
       <p:sp>
         <p:nvSpPr>
-          <p:cNvPr id="64" name="Textfeld 63"/>
+          <p:cNvPr id="68" name="Textfeld 67"/>
           <p:cNvSpPr txBox="1"/>
           <p:nvPr/>
         </p:nvSpPr>
         <p:spPr>
           <a:xfrm>
-            <a:off x="4840878" y="1767306"/>
+            <a:off x="6282473" y="1767306"/>
             <a:ext cx="802977" cy="369332"/>
           </a:xfrm>
           <a:prstGeom prst="rect">
@@ -7983,7 +8444,7 @@
             <a:pPr algn="ctr"/>
             <a:r>
               <a:rPr lang="en-GB" dirty="0" smtClean="0"/>
-              <a:t>IFC2x4</a:t>
+              <a:t>IFC4x1</a:t>
             </a:r>
             <a:endParaRPr lang="en-GB" dirty="0"/>
           </a:p>
@@ -7991,14 +8452,14 @@
       </p:sp>
       <p:sp>
         <p:nvSpPr>
-          <p:cNvPr id="66" name="Textfeld 65"/>
+          <p:cNvPr id="70" name="Textfeld 69"/>
           <p:cNvSpPr txBox="1"/>
           <p:nvPr/>
         </p:nvSpPr>
         <p:spPr>
           <a:xfrm>
-            <a:off x="6369974" y="1767596"/>
-            <a:ext cx="639470" cy="369332"/>
+            <a:off x="7715374" y="1767306"/>
+            <a:ext cx="802977" cy="369332"/>
           </a:xfrm>
           <a:prstGeom prst="rect">
             <a:avLst/>
@@ -8014,7 +8475,7 @@
             <a:pPr algn="ctr"/>
             <a:r>
               <a:rPr lang="en-GB" dirty="0" smtClean="0"/>
-              <a:t>IFC4 </a:t>
+              <a:t>IFC4x3</a:t>
             </a:r>
             <a:endParaRPr lang="en-GB" dirty="0"/>
           </a:p>
@@ -8022,14 +8483,14 @@
       </p:sp>
       <p:sp>
         <p:nvSpPr>
-          <p:cNvPr id="68" name="Textfeld 67"/>
+          <p:cNvPr id="77" name="Textfeld 76"/>
           <p:cNvSpPr txBox="1"/>
           <p:nvPr/>
         </p:nvSpPr>
         <p:spPr>
           <a:xfrm>
-            <a:off x="7720097" y="1767306"/>
-            <a:ext cx="802977" cy="369332"/>
+            <a:off x="9373460" y="1767306"/>
+            <a:ext cx="343363" cy="369332"/>
           </a:xfrm>
           <a:prstGeom prst="rect">
             <a:avLst/>
@@ -8045,7 +8506,7 @@
             <a:pPr algn="ctr"/>
             <a:r>
               <a:rPr lang="en-GB" dirty="0" smtClean="0"/>
-              <a:t>IFC4x1</a:t>
+              <a:t>…</a:t>
             </a:r>
             <a:endParaRPr lang="en-GB" dirty="0"/>
           </a:p>
@@ -8053,14 +8514,14 @@
       </p:sp>
       <p:sp>
         <p:nvSpPr>
-          <p:cNvPr id="70" name="Textfeld 69"/>
+          <p:cNvPr id="42" name="Textfeld 41"/>
           <p:cNvSpPr txBox="1"/>
           <p:nvPr/>
         </p:nvSpPr>
         <p:spPr>
           <a:xfrm>
-            <a:off x="10595345" y="1769811"/>
-            <a:ext cx="802977" cy="369332"/>
+            <a:off x="9373461" y="3508475"/>
+            <a:ext cx="343363" cy="369332"/>
           </a:xfrm>
           <a:prstGeom prst="rect">
             <a:avLst/>
@@ -8076,7 +8537,7 @@
             <a:pPr algn="ctr"/>
             <a:r>
               <a:rPr lang="en-GB" dirty="0" smtClean="0"/>
-              <a:t>IFC4x3</a:t>
+              <a:t>…</a:t>
             </a:r>
             <a:endParaRPr lang="en-GB" dirty="0"/>
           </a:p>
@@ -8084,14 +8545,158 @@
       </p:sp>
       <p:sp>
         <p:nvSpPr>
-          <p:cNvPr id="35" name="Textfeld 34"/>
+          <p:cNvPr id="79" name="Abgerundetes Rechteck 78"/>
+          <p:cNvSpPr/>
+          <p:nvPr/>
+        </p:nvSpPr>
+        <p:spPr>
+          <a:xfrm>
+            <a:off x="2298388" y="6682277"/>
+            <a:ext cx="309481" cy="296883"/>
+          </a:xfrm>
+          <a:prstGeom prst="roundRect">
+            <a:avLst/>
+          </a:prstGeom>
+          <a:solidFill>
+            <a:srgbClr val="4472C4"/>
+          </a:solidFill>
+          <a:ln>
+            <a:solidFill>
+              <a:srgbClr val="4472C4"/>
+            </a:solidFill>
+          </a:ln>
+        </p:spPr>
+        <p:style>
+          <a:lnRef idx="2">
+            <a:schemeClr val="accent1">
+              <a:shade val="50000"/>
+            </a:schemeClr>
+          </a:lnRef>
+          <a:fillRef idx="1">
+            <a:schemeClr val="accent1"/>
+          </a:fillRef>
+          <a:effectRef idx="0">
+            <a:schemeClr val="accent1"/>
+          </a:effectRef>
+          <a:fontRef idx="minor">
+            <a:schemeClr val="lt1"/>
+          </a:fontRef>
+        </p:style>
+        <p:txBody>
+          <a:bodyPr rtlCol="0" anchor="ctr"/>
+          <a:lstStyle/>
+          <a:p>
+            <a:pPr algn="ctr"/>
+            <a:endParaRPr lang="en-GB"/>
+          </a:p>
+        </p:txBody>
+      </p:sp>
+      <p:sp>
+        <p:nvSpPr>
+          <p:cNvPr id="80" name="Abgerundetes Rechteck 79"/>
+          <p:cNvSpPr/>
+          <p:nvPr/>
+        </p:nvSpPr>
+        <p:spPr>
+          <a:xfrm>
+            <a:off x="5176135" y="6682275"/>
+            <a:ext cx="309481" cy="296883"/>
+          </a:xfrm>
+          <a:prstGeom prst="roundRect">
+            <a:avLst/>
+          </a:prstGeom>
+          <a:solidFill>
+            <a:srgbClr val="70AD47"/>
+          </a:solidFill>
+          <a:ln>
+            <a:solidFill>
+              <a:srgbClr val="70AD47"/>
+            </a:solidFill>
+          </a:ln>
+        </p:spPr>
+        <p:style>
+          <a:lnRef idx="2">
+            <a:schemeClr val="accent1">
+              <a:shade val="50000"/>
+            </a:schemeClr>
+          </a:lnRef>
+          <a:fillRef idx="1">
+            <a:schemeClr val="accent1"/>
+          </a:fillRef>
+          <a:effectRef idx="0">
+            <a:schemeClr val="accent1"/>
+          </a:effectRef>
+          <a:fontRef idx="minor">
+            <a:schemeClr val="lt1"/>
+          </a:fontRef>
+        </p:style>
+        <p:txBody>
+          <a:bodyPr rtlCol="0" anchor="ctr"/>
+          <a:lstStyle/>
+          <a:p>
+            <a:pPr algn="ctr"/>
+            <a:endParaRPr lang="en-GB"/>
+          </a:p>
+        </p:txBody>
+      </p:sp>
+      <p:sp>
+        <p:nvSpPr>
+          <p:cNvPr id="81" name="Abgerundetes Rechteck 80"/>
+          <p:cNvSpPr/>
+          <p:nvPr/>
+        </p:nvSpPr>
+        <p:spPr>
+          <a:xfrm>
+            <a:off x="7579120" y="6682275"/>
+            <a:ext cx="309481" cy="296883"/>
+          </a:xfrm>
+          <a:prstGeom prst="roundRect">
+            <a:avLst/>
+          </a:prstGeom>
+          <a:solidFill>
+            <a:srgbClr val="ED7D31"/>
+          </a:solidFill>
+          <a:ln>
+            <a:solidFill>
+              <a:srgbClr val="ED7D31"/>
+            </a:solidFill>
+          </a:ln>
+        </p:spPr>
+        <p:style>
+          <a:lnRef idx="2">
+            <a:schemeClr val="accent1">
+              <a:shade val="50000"/>
+            </a:schemeClr>
+          </a:lnRef>
+          <a:fillRef idx="1">
+            <a:schemeClr val="accent1"/>
+          </a:fillRef>
+          <a:effectRef idx="0">
+            <a:schemeClr val="accent1"/>
+          </a:effectRef>
+          <a:fontRef idx="minor">
+            <a:schemeClr val="lt1"/>
+          </a:fontRef>
+        </p:style>
+        <p:txBody>
+          <a:bodyPr rtlCol="0" anchor="ctr"/>
+          <a:lstStyle/>
+          <a:p>
+            <a:pPr algn="ctr"/>
+            <a:endParaRPr lang="en-GB"/>
+          </a:p>
+        </p:txBody>
+      </p:sp>
+      <p:sp>
+        <p:nvSpPr>
+          <p:cNvPr id="82" name="Textfeld 81"/>
           <p:cNvSpPr txBox="1"/>
           <p:nvPr/>
         </p:nvSpPr>
         <p:spPr>
           <a:xfrm>
-            <a:off x="4607747" y="3389724"/>
-            <a:ext cx="1281826" cy="646331"/>
+            <a:off x="2597599" y="6646049"/>
+            <a:ext cx="2084353" cy="369332"/>
           </a:xfrm>
           <a:prstGeom prst="rect">
             <a:avLst/>
@@ -8104,17 +8709,9 @@
           </a:bodyPr>
           <a:lstStyle/>
           <a:p>
-            <a:pPr algn="ctr"/>
             <a:r>
               <a:rPr lang="en-GB" dirty="0" smtClean="0"/>
-              <a:t>Generate</a:t>
-            </a:r>
-          </a:p>
-          <a:p>
-            <a:pPr algn="ctr"/>
-            <a:r>
-              <a:rPr lang="en-GB" dirty="0" smtClean="0"/>
-              <a:t>IFC2x4_RC3</a:t>
+              <a:t>Third-party Libraries</a:t>
             </a:r>
             <a:endParaRPr lang="en-GB" dirty="0"/>
           </a:p>
@@ -8122,14 +8719,14 @@
       </p:sp>
       <p:sp>
         <p:nvSpPr>
-          <p:cNvPr id="77" name="Textfeld 76"/>
+          <p:cNvPr id="83" name="Textfeld 82"/>
           <p:cNvSpPr txBox="1"/>
           <p:nvPr/>
         </p:nvSpPr>
         <p:spPr>
           <a:xfrm>
-            <a:off x="9143654" y="1767306"/>
-            <a:ext cx="802977" cy="369332"/>
+            <a:off x="5485616" y="6643175"/>
+            <a:ext cx="1289840" cy="369332"/>
           </a:xfrm>
           <a:prstGeom prst="rect">
             <a:avLst/>
@@ -8142,10 +8739,117 @@
           </a:bodyPr>
           <a:lstStyle/>
           <a:p>
+            <a:r>
+              <a:rPr lang="en-GB" dirty="0" smtClean="0"/>
+              <a:t>Executables</a:t>
+            </a:r>
+            <a:endParaRPr lang="en-GB" dirty="0"/>
+          </a:p>
+        </p:txBody>
+      </p:sp>
+      <p:sp>
+        <p:nvSpPr>
+          <p:cNvPr id="84" name="Textfeld 83"/>
+          <p:cNvSpPr txBox="1"/>
+          <p:nvPr/>
+        </p:nvSpPr>
+        <p:spPr>
+          <a:xfrm>
+            <a:off x="7879020" y="6643175"/>
+            <a:ext cx="522900" cy="369332"/>
+          </a:xfrm>
+          <a:prstGeom prst="rect">
+            <a:avLst/>
+          </a:prstGeom>
+          <a:noFill/>
+        </p:spPr>
+        <p:txBody>
+          <a:bodyPr wrap="none" rtlCol="0">
+            <a:spAutoFit/>
+          </a:bodyPr>
+          <a:lstStyle/>
+          <a:p>
+            <a:r>
+              <a:rPr lang="en-GB" dirty="0" err="1" smtClean="0"/>
+              <a:t>Dlls</a:t>
+            </a:r>
+            <a:endParaRPr lang="en-GB" dirty="0"/>
+          </a:p>
+        </p:txBody>
+      </p:sp>
+      <p:sp>
+        <p:nvSpPr>
+          <p:cNvPr id="85" name="Abgerundetes Rechteck 84"/>
+          <p:cNvSpPr/>
+          <p:nvPr/>
+        </p:nvSpPr>
+        <p:spPr>
+          <a:xfrm>
+            <a:off x="9199393" y="6688340"/>
+            <a:ext cx="309481" cy="296883"/>
+          </a:xfrm>
+          <a:prstGeom prst="roundRect">
+            <a:avLst/>
+          </a:prstGeom>
+          <a:solidFill>
+            <a:srgbClr val="FFC000"/>
+          </a:solidFill>
+          <a:ln>
+            <a:solidFill>
+              <a:srgbClr val="FFC000"/>
+            </a:solidFill>
+          </a:ln>
+        </p:spPr>
+        <p:style>
+          <a:lnRef idx="2">
+            <a:schemeClr val="accent1">
+              <a:shade val="50000"/>
+            </a:schemeClr>
+          </a:lnRef>
+          <a:fillRef idx="1">
+            <a:schemeClr val="accent1"/>
+          </a:fillRef>
+          <a:effectRef idx="0">
+            <a:schemeClr val="accent1"/>
+          </a:effectRef>
+          <a:fontRef idx="minor">
+            <a:schemeClr val="lt1"/>
+          </a:fontRef>
+        </p:style>
+        <p:txBody>
+          <a:bodyPr rtlCol="0" anchor="ctr"/>
+          <a:lstStyle/>
+          <a:p>
             <a:pPr algn="ctr"/>
+            <a:endParaRPr lang="en-GB"/>
+          </a:p>
+        </p:txBody>
+      </p:sp>
+      <p:sp>
+        <p:nvSpPr>
+          <p:cNvPr id="86" name="Textfeld 85"/>
+          <p:cNvSpPr txBox="1"/>
+          <p:nvPr/>
+        </p:nvSpPr>
+        <p:spPr>
+          <a:xfrm>
+            <a:off x="9559736" y="6642883"/>
+            <a:ext cx="1242648" cy="369332"/>
+          </a:xfrm>
+          <a:prstGeom prst="rect">
+            <a:avLst/>
+          </a:prstGeom>
+          <a:noFill/>
+        </p:spPr>
+        <p:txBody>
+          <a:bodyPr wrap="none" rtlCol="0">
+            <a:spAutoFit/>
+          </a:bodyPr>
+          <a:lstStyle/>
+          <a:p>
             <a:r>
               <a:rPr lang="en-GB" dirty="0" smtClean="0"/>
-              <a:t>IFC4x2</a:t>
+              <a:t>Commands</a:t>
             </a:r>
             <a:endParaRPr lang="en-GB" dirty="0"/>
           </a:p>
@@ -8155,6 +8859,757 @@
     <p:extLst>
       <p:ext uri="{BB962C8B-B14F-4D97-AF65-F5344CB8AC3E}">
         <p14:creationId xmlns:p14="http://schemas.microsoft.com/office/powerpoint/2010/main" val="4000795671"/>
+      </p:ext>
+    </p:extLst>
+  </p:cSld>
+  <p:clrMapOvr>
+    <a:masterClrMapping/>
+  </p:clrMapOvr>
+  <p:timing>
+    <p:tnLst>
+      <p:par>
+        <p:cTn id="1" dur="indefinite" restart="never" nodeType="tmRoot"/>
+      </p:par>
+    </p:tnLst>
+  </p:timing>
+</p:sld>
+</file>
+
+<file path=ppt/slides/slide3.xml><?xml version="1.0" encoding="utf-8"?>
+<p:sld xmlns:a="http://schemas.openxmlformats.org/drawingml/2006/main" xmlns:r="http://schemas.openxmlformats.org/officeDocument/2006/relationships" xmlns:p="http://schemas.openxmlformats.org/presentationml/2006/main">
+  <p:cSld>
+    <p:spTree>
+      <p:nvGrpSpPr>
+        <p:cNvPr id="1" name=""/>
+        <p:cNvGrpSpPr/>
+        <p:nvPr/>
+      </p:nvGrpSpPr>
+      <p:grpSpPr>
+        <a:xfrm>
+          <a:off x="0" y="0"/>
+          <a:ext cx="0" cy="0"/>
+          <a:chOff x="0" y="0"/>
+          <a:chExt cx="0" cy="0"/>
+        </a:xfrm>
+      </p:grpSpPr>
+      <p:sp>
+        <p:nvSpPr>
+          <p:cNvPr id="2" name="Inhaltsplatzhalter 1"/>
+          <p:cNvSpPr>
+            <a:spLocks noGrp="1"/>
+          </p:cNvSpPr>
+          <p:nvPr>
+            <p:ph idx="1"/>
+          </p:nvPr>
+        </p:nvSpPr>
+        <p:spPr/>
+        <p:txBody>
+          <a:bodyPr/>
+          <a:lstStyle/>
+          <a:p>
+            <a:r>
+              <a:rPr lang="de-DE" dirty="0"/>
+              <a:t>Als erstes soll mit schwarz und weiß gearbeitet werden.</a:t>
+            </a:r>
+            <a:br>
+              <a:rPr lang="de-DE" dirty="0"/>
+            </a:br>
+            <a:r>
+              <a:rPr lang="de-DE" dirty="0"/>
+              <a:t>Für Aufwändigere Darstellungen sind Farben mit Bedacht und in möglichst geringem Umfang einzusetzen.</a:t>
+            </a:r>
+            <a:br>
+              <a:rPr lang="de-DE" dirty="0"/>
+            </a:br>
+            <a:r>
+              <a:rPr lang="de-DE" dirty="0"/>
+              <a:t>In diesem Folienmaster ist die Farbpalette festgelegt.</a:t>
+            </a:r>
+          </a:p>
+          <a:p>
+            <a:endParaRPr lang="de-DE" dirty="0"/>
+          </a:p>
+          <a:p>
+            <a:r>
+              <a:rPr lang="de-DE" dirty="0"/>
+              <a:t>Zuerst mit den Primärfarben arbeiten.</a:t>
+            </a:r>
+          </a:p>
+          <a:p>
+            <a:endParaRPr lang="de-DE" dirty="0"/>
+          </a:p>
+          <a:p>
+            <a:endParaRPr lang="de-DE" dirty="0"/>
+          </a:p>
+          <a:p>
+            <a:r>
+              <a:rPr lang="de-DE" dirty="0"/>
+              <a:t>Für z.B. komplexe Diagramme stehen noch Sekundärfarben zur Verfügung.</a:t>
+            </a:r>
+          </a:p>
+          <a:p>
+            <a:endParaRPr lang="de-DE" dirty="0"/>
+          </a:p>
+          <a:p>
+            <a:endParaRPr lang="de-DE" dirty="0"/>
+          </a:p>
+          <a:p>
+            <a:r>
+              <a:rPr lang="de-DE" dirty="0"/>
+              <a:t>Gering im Einsatz sind die Akzentfarben.</a:t>
+            </a:r>
+          </a:p>
+          <a:p>
+            <a:endParaRPr lang="de-DE" dirty="0"/>
+          </a:p>
+        </p:txBody>
+      </p:sp>
+      <p:sp>
+        <p:nvSpPr>
+          <p:cNvPr id="3" name="Titel 2"/>
+          <p:cNvSpPr>
+            <a:spLocks noGrp="1"/>
+          </p:cNvSpPr>
+          <p:nvPr>
+            <p:ph type="title"/>
+          </p:nvPr>
+        </p:nvSpPr>
+        <p:spPr/>
+        <p:txBody>
+          <a:bodyPr/>
+          <a:lstStyle/>
+          <a:p>
+            <a:r>
+              <a:rPr lang="de-DE"/>
+              <a:t>Farben</a:t>
+            </a:r>
+            <a:endParaRPr lang="de-DE" dirty="0"/>
+          </a:p>
+        </p:txBody>
+      </p:sp>
+      <p:sp>
+        <p:nvSpPr>
+          <p:cNvPr id="4" name="Foliennummernplatzhalter 3"/>
+          <p:cNvSpPr>
+            <a:spLocks noGrp="1"/>
+          </p:cNvSpPr>
+          <p:nvPr>
+            <p:ph type="sldNum" sz="quarter" idx="11"/>
+          </p:nvPr>
+        </p:nvSpPr>
+        <p:spPr/>
+        <p:txBody>
+          <a:bodyPr/>
+          <a:lstStyle/>
+          <a:p>
+            <a:fld id="{CE58CB1E-F828-4F11-99E0-327109AF9DA4}" type="slidenum">
+              <a:rPr lang="de-DE" smtClean="0"/>
+              <a:pPr/>
+              <a:t>3</a:t>
+            </a:fld>
+            <a:endParaRPr lang="de-DE" dirty="0"/>
+          </a:p>
+        </p:txBody>
+      </p:sp>
+      <p:sp>
+        <p:nvSpPr>
+          <p:cNvPr id="19" name="Fußzeilenplatzhalter 4"/>
+          <p:cNvSpPr>
+            <a:spLocks noGrp="1"/>
+          </p:cNvSpPr>
+          <p:nvPr>
+            <p:ph type="ftr" sz="quarter" idx="12"/>
+          </p:nvPr>
+        </p:nvSpPr>
+        <p:spPr/>
+        <p:txBody>
+          <a:bodyPr/>
+          <a:lstStyle/>
+          <a:p>
+            <a:r>
+              <a:rPr lang="de-DE" dirty="0"/>
+              <a:t>Dr. </a:t>
+            </a:r>
+            <a:r>
+              <a:rPr lang="de-DE" dirty="0" err="1"/>
+              <a:t>rer</a:t>
+            </a:r>
+            <a:r>
+              <a:rPr lang="de-DE" dirty="0"/>
+              <a:t>. nat. Erika Mustermann (TUM) | kann beliebig erweitert werden | Infos mit Strich trennen</a:t>
+            </a:r>
+            <a:endParaRPr lang="en-US" dirty="0"/>
+          </a:p>
+        </p:txBody>
+      </p:sp>
+      <p:sp>
+        <p:nvSpPr>
+          <p:cNvPr id="14" name="Rechteck 13"/>
+          <p:cNvSpPr/>
+          <p:nvPr/>
+        </p:nvSpPr>
+        <p:spPr>
+          <a:xfrm>
+            <a:off x="428980" y="5185421"/>
+            <a:ext cx="1140176" cy="245531"/>
+          </a:xfrm>
+          <a:prstGeom prst="rect">
+            <a:avLst/>
+          </a:prstGeom>
+          <a:solidFill>
+            <a:schemeClr val="bg2"/>
+          </a:solidFill>
+          <a:ln>
+            <a:noFill/>
+          </a:ln>
+        </p:spPr>
+        <p:style>
+          <a:lnRef idx="2">
+            <a:schemeClr val="accent1">
+              <a:shade val="50000"/>
+            </a:schemeClr>
+          </a:lnRef>
+          <a:fillRef idx="1">
+            <a:schemeClr val="accent1"/>
+          </a:fillRef>
+          <a:effectRef idx="0">
+            <a:schemeClr val="accent1"/>
+          </a:effectRef>
+          <a:fontRef idx="minor">
+            <a:schemeClr val="lt1"/>
+          </a:fontRef>
+        </p:style>
+        <p:txBody>
+          <a:bodyPr rot="0" spcFirstLastPara="0" vertOverflow="overflow" horzOverflow="overflow" vert="horz" wrap="square" lIns="121920" tIns="60960" rIns="121920" bIns="60960" numCol="1" spcCol="0" rtlCol="0" fromWordArt="0" anchor="t" anchorCtr="0" forceAA="0" compatLnSpc="1">
+            <a:prstTxWarp prst="textNoShape">
+              <a:avLst/>
+            </a:prstTxWarp>
+            <a:noAutofit/>
+          </a:bodyPr>
+          <a:lstStyle/>
+          <a:p>
+            <a:pPr algn="ctr">
+              <a:lnSpc>
+                <a:spcPct val="114000"/>
+              </a:lnSpc>
+            </a:pPr>
+            <a:endParaRPr lang="de-DE" sz="2400" dirty="0">
+              <a:solidFill>
+                <a:schemeClr val="accent1"/>
+              </a:solidFill>
+            </a:endParaRPr>
+          </a:p>
+        </p:txBody>
+      </p:sp>
+      <p:sp>
+        <p:nvSpPr>
+          <p:cNvPr id="24" name="Rechteck 23"/>
+          <p:cNvSpPr/>
+          <p:nvPr/>
+        </p:nvSpPr>
+        <p:spPr>
+          <a:xfrm>
+            <a:off x="1727203" y="5185421"/>
+            <a:ext cx="1140176" cy="245531"/>
+          </a:xfrm>
+          <a:prstGeom prst="rect">
+            <a:avLst/>
+          </a:prstGeom>
+          <a:solidFill>
+            <a:schemeClr val="tx1"/>
+          </a:solidFill>
+          <a:ln>
+            <a:noFill/>
+          </a:ln>
+        </p:spPr>
+        <p:style>
+          <a:lnRef idx="2">
+            <a:schemeClr val="accent1">
+              <a:shade val="50000"/>
+            </a:schemeClr>
+          </a:lnRef>
+          <a:fillRef idx="1">
+            <a:schemeClr val="accent1"/>
+          </a:fillRef>
+          <a:effectRef idx="0">
+            <a:schemeClr val="accent1"/>
+          </a:effectRef>
+          <a:fontRef idx="minor">
+            <a:schemeClr val="lt1"/>
+          </a:fontRef>
+        </p:style>
+        <p:txBody>
+          <a:bodyPr rot="0" spcFirstLastPara="0" vertOverflow="overflow" horzOverflow="overflow" vert="horz" wrap="square" lIns="121920" tIns="60960" rIns="121920" bIns="60960" numCol="1" spcCol="0" rtlCol="0" fromWordArt="0" anchor="t" anchorCtr="0" forceAA="0" compatLnSpc="1">
+            <a:prstTxWarp prst="textNoShape">
+              <a:avLst/>
+            </a:prstTxWarp>
+            <a:noAutofit/>
+          </a:bodyPr>
+          <a:lstStyle/>
+          <a:p>
+            <a:pPr algn="ctr">
+              <a:lnSpc>
+                <a:spcPct val="114000"/>
+              </a:lnSpc>
+            </a:pPr>
+            <a:endParaRPr lang="de-DE" sz="2400" dirty="0">
+              <a:solidFill>
+                <a:schemeClr val="tx1"/>
+              </a:solidFill>
+            </a:endParaRPr>
+          </a:p>
+        </p:txBody>
+      </p:sp>
+      <p:sp>
+        <p:nvSpPr>
+          <p:cNvPr id="25" name="Rechteck 24"/>
+          <p:cNvSpPr/>
+          <p:nvPr/>
+        </p:nvSpPr>
+        <p:spPr>
+          <a:xfrm>
+            <a:off x="3014136" y="5185421"/>
+            <a:ext cx="1140176" cy="245531"/>
+          </a:xfrm>
+          <a:prstGeom prst="rect">
+            <a:avLst/>
+          </a:prstGeom>
+          <a:solidFill>
+            <a:schemeClr val="bg1"/>
+          </a:solidFill>
+          <a:ln w="6350" cap="flat" cmpd="sng" algn="ctr">
+            <a:solidFill>
+              <a:schemeClr val="tx1"/>
+            </a:solidFill>
+            <a:prstDash val="solid"/>
+            <a:round/>
+            <a:headEnd type="none" w="med" len="med"/>
+            <a:tailEnd type="none" w="med" len="med"/>
+          </a:ln>
+        </p:spPr>
+        <p:style>
+          <a:lnRef idx="2">
+            <a:schemeClr val="accent1">
+              <a:shade val="50000"/>
+            </a:schemeClr>
+          </a:lnRef>
+          <a:fillRef idx="1">
+            <a:schemeClr val="accent1"/>
+          </a:fillRef>
+          <a:effectRef idx="0">
+            <a:schemeClr val="accent1"/>
+          </a:effectRef>
+          <a:fontRef idx="minor">
+            <a:schemeClr val="lt1"/>
+          </a:fontRef>
+        </p:style>
+        <p:txBody>
+          <a:bodyPr rot="0" spcFirstLastPara="0" vertOverflow="overflow" horzOverflow="overflow" vert="horz" wrap="square" lIns="121920" tIns="60960" rIns="121920" bIns="60960" numCol="1" spcCol="0" rtlCol="0" fromWordArt="0" anchor="t" anchorCtr="0" forceAA="0" compatLnSpc="1">
+            <a:prstTxWarp prst="textNoShape">
+              <a:avLst/>
+            </a:prstTxWarp>
+            <a:noAutofit/>
+          </a:bodyPr>
+          <a:lstStyle/>
+          <a:p>
+            <a:pPr algn="ctr">
+              <a:lnSpc>
+                <a:spcPct val="114000"/>
+              </a:lnSpc>
+            </a:pPr>
+            <a:endParaRPr lang="de-DE" sz="2400" dirty="0"/>
+          </a:p>
+        </p:txBody>
+      </p:sp>
+      <p:sp>
+        <p:nvSpPr>
+          <p:cNvPr id="26" name="Rechteck 25"/>
+          <p:cNvSpPr/>
+          <p:nvPr/>
+        </p:nvSpPr>
+        <p:spPr>
+          <a:xfrm>
+            <a:off x="428980" y="6549324"/>
+            <a:ext cx="1140176" cy="245531"/>
+          </a:xfrm>
+          <a:prstGeom prst="rect">
+            <a:avLst/>
+          </a:prstGeom>
+          <a:solidFill>
+            <a:schemeClr val="accent1"/>
+          </a:solidFill>
+          <a:ln>
+            <a:noFill/>
+          </a:ln>
+        </p:spPr>
+        <p:style>
+          <a:lnRef idx="2">
+            <a:schemeClr val="accent1">
+              <a:shade val="50000"/>
+            </a:schemeClr>
+          </a:lnRef>
+          <a:fillRef idx="1">
+            <a:schemeClr val="accent1"/>
+          </a:fillRef>
+          <a:effectRef idx="0">
+            <a:schemeClr val="accent1"/>
+          </a:effectRef>
+          <a:fontRef idx="minor">
+            <a:schemeClr val="lt1"/>
+          </a:fontRef>
+        </p:style>
+        <p:txBody>
+          <a:bodyPr rot="0" spcFirstLastPara="0" vertOverflow="overflow" horzOverflow="overflow" vert="horz" wrap="square" lIns="121920" tIns="60960" rIns="121920" bIns="60960" numCol="1" spcCol="0" rtlCol="0" fromWordArt="0" anchor="t" anchorCtr="0" forceAA="0" compatLnSpc="1">
+            <a:prstTxWarp prst="textNoShape">
+              <a:avLst/>
+            </a:prstTxWarp>
+            <a:noAutofit/>
+          </a:bodyPr>
+          <a:lstStyle/>
+          <a:p>
+            <a:pPr algn="ctr">
+              <a:lnSpc>
+                <a:spcPct val="114000"/>
+              </a:lnSpc>
+            </a:pPr>
+            <a:endParaRPr lang="de-DE" sz="2400" dirty="0"/>
+          </a:p>
+        </p:txBody>
+      </p:sp>
+      <p:sp>
+        <p:nvSpPr>
+          <p:cNvPr id="27" name="Rechteck 26"/>
+          <p:cNvSpPr/>
+          <p:nvPr/>
+        </p:nvSpPr>
+        <p:spPr>
+          <a:xfrm>
+            <a:off x="1727203" y="6549324"/>
+            <a:ext cx="1140176" cy="245531"/>
+          </a:xfrm>
+          <a:prstGeom prst="rect">
+            <a:avLst/>
+          </a:prstGeom>
+          <a:solidFill>
+            <a:schemeClr val="accent2"/>
+          </a:solidFill>
+          <a:ln>
+            <a:noFill/>
+          </a:ln>
+        </p:spPr>
+        <p:style>
+          <a:lnRef idx="2">
+            <a:schemeClr val="accent1">
+              <a:shade val="50000"/>
+            </a:schemeClr>
+          </a:lnRef>
+          <a:fillRef idx="1">
+            <a:schemeClr val="accent1"/>
+          </a:fillRef>
+          <a:effectRef idx="0">
+            <a:schemeClr val="accent1"/>
+          </a:effectRef>
+          <a:fontRef idx="minor">
+            <a:schemeClr val="lt1"/>
+          </a:fontRef>
+        </p:style>
+        <p:txBody>
+          <a:bodyPr rot="0" spcFirstLastPara="0" vertOverflow="overflow" horzOverflow="overflow" vert="horz" wrap="square" lIns="121920" tIns="60960" rIns="121920" bIns="60960" numCol="1" spcCol="0" rtlCol="0" fromWordArt="0" anchor="t" anchorCtr="0" forceAA="0" compatLnSpc="1">
+            <a:prstTxWarp prst="textNoShape">
+              <a:avLst/>
+            </a:prstTxWarp>
+            <a:noAutofit/>
+          </a:bodyPr>
+          <a:lstStyle/>
+          <a:p>
+            <a:pPr algn="ctr">
+              <a:lnSpc>
+                <a:spcPct val="114000"/>
+              </a:lnSpc>
+            </a:pPr>
+            <a:endParaRPr lang="de-DE" sz="2400" dirty="0"/>
+          </a:p>
+        </p:txBody>
+      </p:sp>
+      <p:sp>
+        <p:nvSpPr>
+          <p:cNvPr id="28" name="Rechteck 27"/>
+          <p:cNvSpPr/>
+          <p:nvPr/>
+        </p:nvSpPr>
+        <p:spPr>
+          <a:xfrm>
+            <a:off x="3014136" y="6549324"/>
+            <a:ext cx="1140176" cy="245531"/>
+          </a:xfrm>
+          <a:prstGeom prst="rect">
+            <a:avLst/>
+          </a:prstGeom>
+          <a:solidFill>
+            <a:schemeClr val="accent3"/>
+          </a:solidFill>
+          <a:ln>
+            <a:noFill/>
+          </a:ln>
+        </p:spPr>
+        <p:style>
+          <a:lnRef idx="2">
+            <a:schemeClr val="accent1">
+              <a:shade val="50000"/>
+            </a:schemeClr>
+          </a:lnRef>
+          <a:fillRef idx="1">
+            <a:schemeClr val="accent1"/>
+          </a:fillRef>
+          <a:effectRef idx="0">
+            <a:schemeClr val="accent1"/>
+          </a:effectRef>
+          <a:fontRef idx="minor">
+            <a:schemeClr val="lt1"/>
+          </a:fontRef>
+        </p:style>
+        <p:txBody>
+          <a:bodyPr rot="0" spcFirstLastPara="0" vertOverflow="overflow" horzOverflow="overflow" vert="horz" wrap="square" lIns="121920" tIns="60960" rIns="121920" bIns="60960" numCol="1" spcCol="0" rtlCol="0" fromWordArt="0" anchor="t" anchorCtr="0" forceAA="0" compatLnSpc="1">
+            <a:prstTxWarp prst="textNoShape">
+              <a:avLst/>
+            </a:prstTxWarp>
+            <a:noAutofit/>
+          </a:bodyPr>
+          <a:lstStyle/>
+          <a:p>
+            <a:pPr algn="ctr">
+              <a:lnSpc>
+                <a:spcPct val="114000"/>
+              </a:lnSpc>
+            </a:pPr>
+            <a:endParaRPr lang="de-DE" sz="2400" dirty="0"/>
+          </a:p>
+        </p:txBody>
+      </p:sp>
+      <p:sp>
+        <p:nvSpPr>
+          <p:cNvPr id="29" name="Rechteck 28"/>
+          <p:cNvSpPr/>
+          <p:nvPr/>
+        </p:nvSpPr>
+        <p:spPr>
+          <a:xfrm>
+            <a:off x="4301069" y="6549324"/>
+            <a:ext cx="1140176" cy="245531"/>
+          </a:xfrm>
+          <a:prstGeom prst="rect">
+            <a:avLst/>
+          </a:prstGeom>
+          <a:solidFill>
+            <a:srgbClr val="999999"/>
+          </a:solidFill>
+          <a:ln>
+            <a:noFill/>
+          </a:ln>
+        </p:spPr>
+        <p:style>
+          <a:lnRef idx="2">
+            <a:schemeClr val="accent1">
+              <a:shade val="50000"/>
+            </a:schemeClr>
+          </a:lnRef>
+          <a:fillRef idx="1">
+            <a:schemeClr val="accent1"/>
+          </a:fillRef>
+          <a:effectRef idx="0">
+            <a:schemeClr val="accent1"/>
+          </a:effectRef>
+          <a:fontRef idx="minor">
+            <a:schemeClr val="lt1"/>
+          </a:fontRef>
+        </p:style>
+        <p:txBody>
+          <a:bodyPr rot="0" spcFirstLastPara="0" vertOverflow="overflow" horzOverflow="overflow" vert="horz" wrap="square" lIns="121920" tIns="60960" rIns="121920" bIns="60960" numCol="1" spcCol="0" rtlCol="0" fromWordArt="0" anchor="t" anchorCtr="0" forceAA="0" compatLnSpc="1">
+            <a:prstTxWarp prst="textNoShape">
+              <a:avLst/>
+            </a:prstTxWarp>
+            <a:noAutofit/>
+          </a:bodyPr>
+          <a:lstStyle/>
+          <a:p>
+            <a:pPr algn="ctr">
+              <a:lnSpc>
+                <a:spcPct val="114000"/>
+              </a:lnSpc>
+            </a:pPr>
+            <a:endParaRPr lang="de-DE" sz="2400" dirty="0"/>
+          </a:p>
+        </p:txBody>
+      </p:sp>
+      <p:sp>
+        <p:nvSpPr>
+          <p:cNvPr id="36" name="Rechteck 35"/>
+          <p:cNvSpPr/>
+          <p:nvPr/>
+        </p:nvSpPr>
+        <p:spPr>
+          <a:xfrm>
+            <a:off x="428980" y="7884541"/>
+            <a:ext cx="1140176" cy="245531"/>
+          </a:xfrm>
+          <a:prstGeom prst="rect">
+            <a:avLst/>
+          </a:prstGeom>
+          <a:solidFill>
+            <a:schemeClr val="accent5"/>
+          </a:solidFill>
+          <a:ln>
+            <a:noFill/>
+          </a:ln>
+        </p:spPr>
+        <p:style>
+          <a:lnRef idx="2">
+            <a:schemeClr val="accent1">
+              <a:shade val="50000"/>
+            </a:schemeClr>
+          </a:lnRef>
+          <a:fillRef idx="1">
+            <a:schemeClr val="accent1"/>
+          </a:fillRef>
+          <a:effectRef idx="0">
+            <a:schemeClr val="accent1"/>
+          </a:effectRef>
+          <a:fontRef idx="minor">
+            <a:schemeClr val="lt1"/>
+          </a:fontRef>
+        </p:style>
+        <p:txBody>
+          <a:bodyPr rot="0" spcFirstLastPara="0" vertOverflow="overflow" horzOverflow="overflow" vert="horz" wrap="square" lIns="121920" tIns="60960" rIns="121920" bIns="60960" numCol="1" spcCol="0" rtlCol="0" fromWordArt="0" anchor="t" anchorCtr="0" forceAA="0" compatLnSpc="1">
+            <a:prstTxWarp prst="textNoShape">
+              <a:avLst/>
+            </a:prstTxWarp>
+            <a:noAutofit/>
+          </a:bodyPr>
+          <a:lstStyle/>
+          <a:p>
+            <a:pPr algn="ctr">
+              <a:lnSpc>
+                <a:spcPct val="114000"/>
+              </a:lnSpc>
+            </a:pPr>
+            <a:endParaRPr lang="de-DE" sz="2400" dirty="0"/>
+          </a:p>
+        </p:txBody>
+      </p:sp>
+      <p:sp>
+        <p:nvSpPr>
+          <p:cNvPr id="37" name="Rechteck 36"/>
+          <p:cNvSpPr/>
+          <p:nvPr/>
+        </p:nvSpPr>
+        <p:spPr>
+          <a:xfrm>
+            <a:off x="1727203" y="7884541"/>
+            <a:ext cx="1140176" cy="245531"/>
+          </a:xfrm>
+          <a:prstGeom prst="rect">
+            <a:avLst/>
+          </a:prstGeom>
+          <a:solidFill>
+            <a:schemeClr val="accent4"/>
+          </a:solidFill>
+          <a:ln>
+            <a:noFill/>
+          </a:ln>
+        </p:spPr>
+        <p:style>
+          <a:lnRef idx="2">
+            <a:schemeClr val="accent1">
+              <a:shade val="50000"/>
+            </a:schemeClr>
+          </a:lnRef>
+          <a:fillRef idx="1">
+            <a:schemeClr val="accent1"/>
+          </a:fillRef>
+          <a:effectRef idx="0">
+            <a:schemeClr val="accent1"/>
+          </a:effectRef>
+          <a:fontRef idx="minor">
+            <a:schemeClr val="lt1"/>
+          </a:fontRef>
+        </p:style>
+        <p:txBody>
+          <a:bodyPr rot="0" spcFirstLastPara="0" vertOverflow="overflow" horzOverflow="overflow" vert="horz" wrap="square" lIns="121920" tIns="60960" rIns="121920" bIns="60960" numCol="1" spcCol="0" rtlCol="0" fromWordArt="0" anchor="t" anchorCtr="0" forceAA="0" compatLnSpc="1">
+            <a:prstTxWarp prst="textNoShape">
+              <a:avLst/>
+            </a:prstTxWarp>
+            <a:noAutofit/>
+          </a:bodyPr>
+          <a:lstStyle/>
+          <a:p>
+            <a:pPr algn="ctr">
+              <a:lnSpc>
+                <a:spcPct val="114000"/>
+              </a:lnSpc>
+            </a:pPr>
+            <a:endParaRPr lang="de-DE" sz="2400" dirty="0"/>
+          </a:p>
+        </p:txBody>
+      </p:sp>
+      <p:sp>
+        <p:nvSpPr>
+          <p:cNvPr id="38" name="Rechteck 37"/>
+          <p:cNvSpPr/>
+          <p:nvPr/>
+        </p:nvSpPr>
+        <p:spPr>
+          <a:xfrm>
+            <a:off x="3014136" y="7884541"/>
+            <a:ext cx="1140176" cy="245531"/>
+          </a:xfrm>
+          <a:prstGeom prst="rect">
+            <a:avLst/>
+          </a:prstGeom>
+          <a:solidFill>
+            <a:schemeClr val="accent6"/>
+          </a:solidFill>
+          <a:ln>
+            <a:noFill/>
+          </a:ln>
+        </p:spPr>
+        <p:style>
+          <a:lnRef idx="2">
+            <a:schemeClr val="accent1">
+              <a:shade val="50000"/>
+            </a:schemeClr>
+          </a:lnRef>
+          <a:fillRef idx="1">
+            <a:schemeClr val="accent1"/>
+          </a:fillRef>
+          <a:effectRef idx="0">
+            <a:schemeClr val="accent1"/>
+          </a:effectRef>
+          <a:fontRef idx="minor">
+            <a:schemeClr val="lt1"/>
+          </a:fontRef>
+        </p:style>
+        <p:txBody>
+          <a:bodyPr rot="0" spcFirstLastPara="0" vertOverflow="overflow" horzOverflow="overflow" vert="horz" wrap="square" lIns="121920" tIns="60960" rIns="121920" bIns="60960" numCol="1" spcCol="0" rtlCol="0" fromWordArt="0" anchor="t" anchorCtr="0" forceAA="0" compatLnSpc="1">
+            <a:prstTxWarp prst="textNoShape">
+              <a:avLst/>
+            </a:prstTxWarp>
+            <a:noAutofit/>
+          </a:bodyPr>
+          <a:lstStyle/>
+          <a:p>
+            <a:pPr algn="ctr">
+              <a:lnSpc>
+                <a:spcPct val="114000"/>
+              </a:lnSpc>
+            </a:pPr>
+            <a:endParaRPr lang="de-DE" sz="2400" dirty="0"/>
+          </a:p>
+        </p:txBody>
+      </p:sp>
+    </p:spTree>
+    <p:extLst>
+      <p:ext uri="{BB962C8B-B14F-4D97-AF65-F5344CB8AC3E}">
+        <p14:creationId xmlns:p14="http://schemas.microsoft.com/office/powerpoint/2010/main" val="922754346"/>
       </p:ext>
     </p:extLst>
   </p:cSld>
